--- a/factoreview/src/assets/자료/기획서.pptx
+++ b/factoreview/src/assets/자료/기획서.pptx
@@ -5,7 +5,7 @@
     <p:sldMasterId id="2147483648" r:id="rId1"/>
   </p:sldMasterIdLst>
   <p:notesMasterIdLst>
-    <p:notesMasterId r:id="rId18"/>
+    <p:notesMasterId r:id="rId17"/>
   </p:notesMasterIdLst>
   <p:sldIdLst>
     <p:sldId id="256" r:id="rId2"/>
@@ -19,11 +19,10 @@
     <p:sldId id="271" r:id="rId10"/>
     <p:sldId id="272" r:id="rId11"/>
     <p:sldId id="259" r:id="rId12"/>
-    <p:sldId id="267" r:id="rId13"/>
-    <p:sldId id="268" r:id="rId14"/>
-    <p:sldId id="269" r:id="rId15"/>
-    <p:sldId id="260" r:id="rId16"/>
-    <p:sldId id="261" r:id="rId17"/>
+    <p:sldId id="268" r:id="rId13"/>
+    <p:sldId id="269" r:id="rId14"/>
+    <p:sldId id="260" r:id="rId15"/>
+    <p:sldId id="261" r:id="rId16"/>
   </p:sldIdLst>
   <p:sldSz cx="12192000" cy="6858000"/>
   <p:notesSz cx="6858000" cy="9144000"/>
@@ -212,7 +211,7 @@
           <a:p>
             <a:fld id="{17155094-EB1B-478B-8F5C-F5C1481F9B50}" type="datetimeFigureOut">
               <a:rPr lang="ko-KR" altLang="en-US" smtClean="0"/>
-              <a:t>2022-05-23</a:t>
+              <a:t>2022-05-24</a:t>
             </a:fld>
             <a:endParaRPr lang="ko-KR" altLang="en-US"/>
           </a:p>
@@ -626,7 +625,7 @@
           <a:p>
             <a:fld id="{BB51B6F2-612D-4C6F-9456-53E098E203AC}" type="datetimeFigureOut">
               <a:rPr lang="ko-KR" altLang="en-US" smtClean="0"/>
-              <a:t>2022-05-23</a:t>
+              <a:t>2022-05-24</a:t>
             </a:fld>
             <a:endParaRPr lang="ko-KR" altLang="en-US"/>
           </a:p>
@@ -824,7 +823,7 @@
           <a:p>
             <a:fld id="{BB51B6F2-612D-4C6F-9456-53E098E203AC}" type="datetimeFigureOut">
               <a:rPr lang="ko-KR" altLang="en-US" smtClean="0"/>
-              <a:t>2022-05-23</a:t>
+              <a:t>2022-05-24</a:t>
             </a:fld>
             <a:endParaRPr lang="ko-KR" altLang="en-US"/>
           </a:p>
@@ -1032,7 +1031,7 @@
           <a:p>
             <a:fld id="{BB51B6F2-612D-4C6F-9456-53E098E203AC}" type="datetimeFigureOut">
               <a:rPr lang="ko-KR" altLang="en-US" smtClean="0"/>
-              <a:t>2022-05-23</a:t>
+              <a:t>2022-05-24</a:t>
             </a:fld>
             <a:endParaRPr lang="ko-KR" altLang="en-US"/>
           </a:p>
@@ -1230,7 +1229,7 @@
           <a:p>
             <a:fld id="{BB51B6F2-612D-4C6F-9456-53E098E203AC}" type="datetimeFigureOut">
               <a:rPr lang="ko-KR" altLang="en-US" smtClean="0"/>
-              <a:t>2022-05-23</a:t>
+              <a:t>2022-05-24</a:t>
             </a:fld>
             <a:endParaRPr lang="ko-KR" altLang="en-US"/>
           </a:p>
@@ -1505,7 +1504,7 @@
           <a:p>
             <a:fld id="{BB51B6F2-612D-4C6F-9456-53E098E203AC}" type="datetimeFigureOut">
               <a:rPr lang="ko-KR" altLang="en-US" smtClean="0"/>
-              <a:t>2022-05-23</a:t>
+              <a:t>2022-05-24</a:t>
             </a:fld>
             <a:endParaRPr lang="ko-KR" altLang="en-US"/>
           </a:p>
@@ -1770,7 +1769,7 @@
           <a:p>
             <a:fld id="{BB51B6F2-612D-4C6F-9456-53E098E203AC}" type="datetimeFigureOut">
               <a:rPr lang="ko-KR" altLang="en-US" smtClean="0"/>
-              <a:t>2022-05-23</a:t>
+              <a:t>2022-05-24</a:t>
             </a:fld>
             <a:endParaRPr lang="ko-KR" altLang="en-US"/>
           </a:p>
@@ -2182,7 +2181,7 @@
           <a:p>
             <a:fld id="{BB51B6F2-612D-4C6F-9456-53E098E203AC}" type="datetimeFigureOut">
               <a:rPr lang="ko-KR" altLang="en-US" smtClean="0"/>
-              <a:t>2022-05-23</a:t>
+              <a:t>2022-05-24</a:t>
             </a:fld>
             <a:endParaRPr lang="ko-KR" altLang="en-US"/>
           </a:p>
@@ -2323,7 +2322,7 @@
           <a:p>
             <a:fld id="{BB51B6F2-612D-4C6F-9456-53E098E203AC}" type="datetimeFigureOut">
               <a:rPr lang="ko-KR" altLang="en-US" smtClean="0"/>
-              <a:t>2022-05-23</a:t>
+              <a:t>2022-05-24</a:t>
             </a:fld>
             <a:endParaRPr lang="ko-KR" altLang="en-US"/>
           </a:p>
@@ -2436,7 +2435,7 @@
           <a:p>
             <a:fld id="{BB51B6F2-612D-4C6F-9456-53E098E203AC}" type="datetimeFigureOut">
               <a:rPr lang="ko-KR" altLang="en-US" smtClean="0"/>
-              <a:t>2022-05-23</a:t>
+              <a:t>2022-05-24</a:t>
             </a:fld>
             <a:endParaRPr lang="ko-KR" altLang="en-US"/>
           </a:p>
@@ -2747,7 +2746,7 @@
           <a:p>
             <a:fld id="{BB51B6F2-612D-4C6F-9456-53E098E203AC}" type="datetimeFigureOut">
               <a:rPr lang="ko-KR" altLang="en-US" smtClean="0"/>
-              <a:t>2022-05-23</a:t>
+              <a:t>2022-05-24</a:t>
             </a:fld>
             <a:endParaRPr lang="ko-KR" altLang="en-US"/>
           </a:p>
@@ -3035,7 +3034,7 @@
           <a:p>
             <a:fld id="{BB51B6F2-612D-4C6F-9456-53E098E203AC}" type="datetimeFigureOut">
               <a:rPr lang="ko-KR" altLang="en-US" smtClean="0"/>
-              <a:t>2022-05-23</a:t>
+              <a:t>2022-05-24</a:t>
             </a:fld>
             <a:endParaRPr lang="ko-KR" altLang="en-US"/>
           </a:p>
@@ -3276,7 +3275,7 @@
           <a:p>
             <a:fld id="{BB51B6F2-612D-4C6F-9456-53E098E203AC}" type="datetimeFigureOut">
               <a:rPr lang="ko-KR" altLang="en-US" smtClean="0"/>
-              <a:t>2022-05-23</a:t>
+              <a:t>2022-05-24</a:t>
             </a:fld>
             <a:endParaRPr lang="ko-KR" altLang="en-US"/>
           </a:p>
@@ -4131,7 +4130,7 @@
         <p:spPr>
           <a:xfrm>
             <a:off x="130403" y="3152201"/>
-            <a:ext cx="1197204" cy="445733"/>
+            <a:ext cx="1197202" cy="445733"/>
           </a:xfrm>
           <a:prstGeom prst="rect">
             <a:avLst/>
@@ -4199,7 +4198,7 @@
         <p:grpSpPr>
           <a:xfrm>
             <a:off x="150830" y="1378262"/>
-            <a:ext cx="9144000" cy="3754906"/>
+            <a:ext cx="6484634" cy="3754906"/>
             <a:chOff x="150829" y="1282046"/>
             <a:chExt cx="9666786" cy="4015818"/>
           </a:xfrm>
@@ -4273,7 +4272,7 @@
           </p:nvCxnSpPr>
           <p:spPr>
             <a:xfrm>
-              <a:off x="1398834" y="1282046"/>
+              <a:off x="1916316" y="1282046"/>
               <a:ext cx="0" cy="4015818"/>
             </a:xfrm>
             <a:prstGeom prst="line">
@@ -4302,229 +4301,12 @@
           </p:style>
         </p:cxnSp>
       </p:grpSp>
-      <p:grpSp>
-        <p:nvGrpSpPr>
-          <p:cNvPr id="17" name="그룹 16">
+      <p:sp>
+        <p:nvSpPr>
+          <p:cNvPr id="18" name="사각형: 둥근 모서리 17">
             <a:extLst>
               <a:ext uri="{FF2B5EF4-FFF2-40B4-BE49-F238E27FC236}">
-                <a16:creationId xmlns:a16="http://schemas.microsoft.com/office/drawing/2014/main" id="{2789B074-362F-D9D8-AA2C-8B39375F54B4}"/>
-              </a:ext>
-            </a:extLst>
-          </p:cNvPr>
-          <p:cNvGrpSpPr/>
-          <p:nvPr/>
-        </p:nvGrpSpPr>
-        <p:grpSpPr>
-          <a:xfrm>
-            <a:off x="9713367" y="1378262"/>
-            <a:ext cx="2326233" cy="3754906"/>
-            <a:chOff x="9585118" y="1378262"/>
-            <a:chExt cx="2326233" cy="3754906"/>
-          </a:xfrm>
-        </p:grpSpPr>
-        <p:sp>
-          <p:nvSpPr>
-            <p:cNvPr id="18" name="사각형: 둥근 모서리 17">
-              <a:extLst>
-                <a:ext uri="{FF2B5EF4-FFF2-40B4-BE49-F238E27FC236}">
-                  <a16:creationId xmlns:a16="http://schemas.microsoft.com/office/drawing/2014/main" id="{A24A7134-37FC-1157-C593-BA153385B7F7}"/>
-                </a:ext>
-              </a:extLst>
-            </p:cNvPr>
-            <p:cNvSpPr/>
-            <p:nvPr/>
-          </p:nvSpPr>
-          <p:spPr>
-            <a:xfrm>
-              <a:off x="9585118" y="1378262"/>
-              <a:ext cx="2326233" cy="3754906"/>
-            </a:xfrm>
-            <a:prstGeom prst="roundRect">
-              <a:avLst>
-                <a:gd name="adj" fmla="val 5043"/>
-              </a:avLst>
-            </a:prstGeom>
-            <a:noFill/>
-            <a:ln w="28575">
-              <a:solidFill>
-                <a:srgbClr val="92D050"/>
-              </a:solidFill>
-              <a:prstDash val="dash"/>
-            </a:ln>
-          </p:spPr>
-          <p:style>
-            <a:lnRef idx="2">
-              <a:schemeClr val="dk1"/>
-            </a:lnRef>
-            <a:fillRef idx="1">
-              <a:schemeClr val="lt1"/>
-            </a:fillRef>
-            <a:effectRef idx="0">
-              <a:schemeClr val="dk1"/>
-            </a:effectRef>
-            <a:fontRef idx="minor">
-              <a:schemeClr val="dk1"/>
-            </a:fontRef>
-          </p:style>
-          <p:txBody>
-            <a:bodyPr rtlCol="0" anchor="ctr"/>
-            <a:lstStyle/>
-            <a:p>
-              <a:pPr algn="ctr"/>
-              <a:endParaRPr lang="ko-KR" altLang="en-US"/>
-            </a:p>
-          </p:txBody>
-        </p:sp>
-        <p:sp>
-          <p:nvSpPr>
-            <p:cNvPr id="19" name="사각형: 둥근 모서리 18">
-              <a:extLst>
-                <a:ext uri="{FF2B5EF4-FFF2-40B4-BE49-F238E27FC236}">
-                  <a16:creationId xmlns:a16="http://schemas.microsoft.com/office/drawing/2014/main" id="{4F96B13B-0B0C-5708-B28C-FF5F79185ECB}"/>
-                </a:ext>
-              </a:extLst>
-            </p:cNvPr>
-            <p:cNvSpPr/>
-            <p:nvPr/>
-          </p:nvSpPr>
-          <p:spPr>
-            <a:xfrm>
-              <a:off x="10015332" y="2149793"/>
-              <a:ext cx="1716238" cy="623092"/>
-            </a:xfrm>
-            <a:prstGeom prst="roundRect">
-              <a:avLst/>
-            </a:prstGeom>
-            <a:ln w="19050"/>
-          </p:spPr>
-          <p:style>
-            <a:lnRef idx="2">
-              <a:schemeClr val="dk1"/>
-            </a:lnRef>
-            <a:fillRef idx="1">
-              <a:schemeClr val="lt1"/>
-            </a:fillRef>
-            <a:effectRef idx="0">
-              <a:schemeClr val="dk1"/>
-            </a:effectRef>
-            <a:fontRef idx="minor">
-              <a:schemeClr val="dk1"/>
-            </a:fontRef>
-          </p:style>
-          <p:txBody>
-            <a:bodyPr rtlCol="0" anchor="ctr"/>
-            <a:lstStyle/>
-            <a:p>
-              <a:pPr algn="ctr"/>
-              <a:r>
-                <a:rPr lang="ko-KR" altLang="en-US" sz="1600" b="1" dirty="0"/>
-                <a:t>로그인</a:t>
-              </a:r>
-            </a:p>
-          </p:txBody>
-        </p:sp>
-        <p:sp>
-          <p:nvSpPr>
-            <p:cNvPr id="20" name="사각형: 둥근 모서리 19">
-              <a:extLst>
-                <a:ext uri="{FF2B5EF4-FFF2-40B4-BE49-F238E27FC236}">
-                  <a16:creationId xmlns:a16="http://schemas.microsoft.com/office/drawing/2014/main" id="{50E7DCA8-0C67-EBB1-2428-64092CDBF313}"/>
-                </a:ext>
-              </a:extLst>
-            </p:cNvPr>
-            <p:cNvSpPr/>
-            <p:nvPr/>
-          </p:nvSpPr>
-          <p:spPr>
-            <a:xfrm>
-              <a:off x="10024700" y="3773570"/>
-              <a:ext cx="1716238" cy="623092"/>
-            </a:xfrm>
-            <a:prstGeom prst="roundRect">
-              <a:avLst/>
-            </a:prstGeom>
-            <a:ln w="19050"/>
-          </p:spPr>
-          <p:style>
-            <a:lnRef idx="2">
-              <a:schemeClr val="dk1"/>
-            </a:lnRef>
-            <a:fillRef idx="1">
-              <a:schemeClr val="lt1"/>
-            </a:fillRef>
-            <a:effectRef idx="0">
-              <a:schemeClr val="dk1"/>
-            </a:effectRef>
-            <a:fontRef idx="minor">
-              <a:schemeClr val="dk1"/>
-            </a:fontRef>
-          </p:style>
-          <p:txBody>
-            <a:bodyPr rtlCol="0" anchor="ctr"/>
-            <a:lstStyle/>
-            <a:p>
-              <a:pPr algn="ctr"/>
-              <a:r>
-                <a:rPr lang="ko-KR" altLang="en-US" sz="1600" b="1" dirty="0"/>
-                <a:t>회원가입</a:t>
-              </a:r>
-            </a:p>
-          </p:txBody>
-        </p:sp>
-        <p:cxnSp>
-          <p:nvCxnSpPr>
-            <p:cNvPr id="21" name="연결선: 꺾임 20">
-              <a:extLst>
-                <a:ext uri="{FF2B5EF4-FFF2-40B4-BE49-F238E27FC236}">
-                  <a16:creationId xmlns:a16="http://schemas.microsoft.com/office/drawing/2014/main" id="{0DFA9F23-92E6-7DA2-3B27-6A9B716779C4}"/>
-                </a:ext>
-              </a:extLst>
-            </p:cNvPr>
-            <p:cNvCxnSpPr>
-              <a:cxnSpLocks/>
-              <a:stCxn id="20" idx="1"/>
-              <a:endCxn id="19" idx="1"/>
-            </p:cNvCxnSpPr>
-            <p:nvPr/>
-          </p:nvCxnSpPr>
-          <p:spPr>
-            <a:xfrm rot="10800000">
-              <a:off x="10015332" y="2461340"/>
-              <a:ext cx="9368" cy="1623777"/>
-            </a:xfrm>
-            <a:prstGeom prst="bentConnector3">
-              <a:avLst>
-                <a:gd name="adj1" fmla="val 2540222"/>
-              </a:avLst>
-            </a:prstGeom>
-            <a:ln w="19050">
-              <a:solidFill>
-                <a:schemeClr val="tx1"/>
-              </a:solidFill>
-            </a:ln>
-          </p:spPr>
-          <p:style>
-            <a:lnRef idx="1">
-              <a:schemeClr val="accent1"/>
-            </a:lnRef>
-            <a:fillRef idx="0">
-              <a:schemeClr val="accent1"/>
-            </a:fillRef>
-            <a:effectRef idx="0">
-              <a:schemeClr val="accent1"/>
-            </a:effectRef>
-            <a:fontRef idx="minor">
-              <a:schemeClr val="tx1"/>
-            </a:fontRef>
-          </p:style>
-        </p:cxnSp>
-      </p:grpSp>
-      <p:sp>
-        <p:nvSpPr>
-          <p:cNvPr id="22" name="사각형: 둥근 모서리 21">
-            <a:extLst>
-              <a:ext uri="{FF2B5EF4-FFF2-40B4-BE49-F238E27FC236}">
-                <a16:creationId xmlns:a16="http://schemas.microsoft.com/office/drawing/2014/main" id="{79452D85-CFE5-4512-FE1E-C9846E438932}"/>
+                <a16:creationId xmlns:a16="http://schemas.microsoft.com/office/drawing/2014/main" id="{A24A7134-37FC-1157-C593-BA153385B7F7}"/>
               </a:ext>
             </a:extLst>
           </p:cNvPr>
@@ -4533,7 +4315,60 @@
         </p:nvSpPr>
         <p:spPr>
           <a:xfrm>
-            <a:off x="7297924" y="3054644"/>
+            <a:off x="6837693" y="1378262"/>
+            <a:ext cx="5201908" cy="3754906"/>
+          </a:xfrm>
+          <a:prstGeom prst="roundRect">
+            <a:avLst>
+              <a:gd name="adj" fmla="val 5043"/>
+            </a:avLst>
+          </a:prstGeom>
+          <a:noFill/>
+          <a:ln w="28575">
+            <a:solidFill>
+              <a:srgbClr val="92D050"/>
+            </a:solidFill>
+            <a:prstDash val="dash"/>
+          </a:ln>
+        </p:spPr>
+        <p:style>
+          <a:lnRef idx="2">
+            <a:schemeClr val="dk1"/>
+          </a:lnRef>
+          <a:fillRef idx="1">
+            <a:schemeClr val="lt1"/>
+          </a:fillRef>
+          <a:effectRef idx="0">
+            <a:schemeClr val="dk1"/>
+          </a:effectRef>
+          <a:fontRef idx="minor">
+            <a:schemeClr val="dk1"/>
+          </a:fontRef>
+        </p:style>
+        <p:txBody>
+          <a:bodyPr rtlCol="0" anchor="ctr"/>
+          <a:lstStyle/>
+          <a:p>
+            <a:pPr algn="ctr"/>
+            <a:endParaRPr lang="ko-KR" altLang="en-US"/>
+          </a:p>
+        </p:txBody>
+      </p:sp>
+      <p:sp>
+        <p:nvSpPr>
+          <p:cNvPr id="30" name="사각형: 둥근 모서리 29">
+            <a:extLst>
+              <a:ext uri="{FF2B5EF4-FFF2-40B4-BE49-F238E27FC236}">
+                <a16:creationId xmlns:a16="http://schemas.microsoft.com/office/drawing/2014/main" id="{5BC919A6-5F0C-DDCB-38E3-2F6091B721F9}"/>
+              </a:ext>
+            </a:extLst>
+          </p:cNvPr>
+          <p:cNvSpPr/>
+          <p:nvPr/>
+        </p:nvSpPr>
+        <p:spPr>
+          <a:xfrm>
+            <a:off x="4360048" y="3207512"/>
             <a:ext cx="1716237" cy="623093"/>
           </a:xfrm>
           <a:prstGeom prst="roundRect">
@@ -4569,10 +4404,10 @@
       </p:sp>
       <p:sp>
         <p:nvSpPr>
-          <p:cNvPr id="23" name="사각형: 둥근 모서리 22">
+          <p:cNvPr id="34" name="사각형: 둥근 모서리 33">
             <a:extLst>
               <a:ext uri="{FF2B5EF4-FFF2-40B4-BE49-F238E27FC236}">
-                <a16:creationId xmlns:a16="http://schemas.microsoft.com/office/drawing/2014/main" id="{D3D9569A-27B9-FF17-F7DF-B9113C1794EE}"/>
+                <a16:creationId xmlns:a16="http://schemas.microsoft.com/office/drawing/2014/main" id="{DC3FA652-DC39-D782-6248-DADC633E4C0E}"/>
               </a:ext>
             </a:extLst>
           </p:cNvPr>
@@ -4581,8 +4416,8 @@
         </p:nvSpPr>
         <p:spPr>
           <a:xfrm>
-            <a:off x="1614165" y="3054644"/>
-            <a:ext cx="1716237" cy="623093"/>
+            <a:off x="1846977" y="3201163"/>
+            <a:ext cx="1984946" cy="623093"/>
           </a:xfrm>
           <a:prstGeom prst="roundRect">
             <a:avLst/>
@@ -4618,7 +4453,7 @@
             </a:r>
             <a:r>
               <a:rPr lang="ko-KR" altLang="en-US" sz="1600" b="1" dirty="0"/>
-              <a:t>제작자</a:t>
+              <a:t>이용절차</a:t>
             </a:r>
             <a:endParaRPr lang="en-US" altLang="ko-KR" sz="1600" b="1" dirty="0"/>
           </a:p>
@@ -4631,12 +4466,59 @@
           </a:p>
         </p:txBody>
       </p:sp>
+      <p:cxnSp>
+        <p:nvCxnSpPr>
+          <p:cNvPr id="36" name="연결선: 꺾임 35">
+            <a:extLst>
+              <a:ext uri="{FF2B5EF4-FFF2-40B4-BE49-F238E27FC236}">
+                <a16:creationId xmlns:a16="http://schemas.microsoft.com/office/drawing/2014/main" id="{54DAC9D6-CFF9-9E8D-D607-8C101B7653AB}"/>
+              </a:ext>
+            </a:extLst>
+          </p:cNvPr>
+          <p:cNvCxnSpPr>
+            <a:cxnSpLocks/>
+            <a:stCxn id="34" idx="0"/>
+            <a:endCxn id="30" idx="0"/>
+          </p:cNvCxnSpPr>
+          <p:nvPr/>
+        </p:nvCxnSpPr>
+        <p:spPr>
+          <a:xfrm rot="16200000" flipH="1">
+            <a:off x="4025633" y="2014979"/>
+            <a:ext cx="6349" cy="2378717"/>
+          </a:xfrm>
+          <a:prstGeom prst="bentConnector3">
+            <a:avLst>
+              <a:gd name="adj1" fmla="val -8658970"/>
+            </a:avLst>
+          </a:prstGeom>
+          <a:ln w="19050">
+            <a:solidFill>
+              <a:schemeClr val="tx1"/>
+            </a:solidFill>
+          </a:ln>
+        </p:spPr>
+        <p:style>
+          <a:lnRef idx="1">
+            <a:schemeClr val="accent1"/>
+          </a:lnRef>
+          <a:fillRef idx="0">
+            <a:schemeClr val="accent1"/>
+          </a:fillRef>
+          <a:effectRef idx="0">
+            <a:schemeClr val="accent1"/>
+          </a:effectRef>
+          <a:fontRef idx="minor">
+            <a:schemeClr val="tx1"/>
+          </a:fontRef>
+        </p:style>
+      </p:cxnSp>
       <p:sp>
         <p:nvSpPr>
-          <p:cNvPr id="25" name="사각형: 둥근 모서리 24">
+          <p:cNvPr id="46" name="사각형: 둥근 모서리 45">
             <a:extLst>
               <a:ext uri="{FF2B5EF4-FFF2-40B4-BE49-F238E27FC236}">
-                <a16:creationId xmlns:a16="http://schemas.microsoft.com/office/drawing/2014/main" id="{2F0C2ABF-E3A0-76C6-CF19-A26BDD6ABE77}"/>
+                <a16:creationId xmlns:a16="http://schemas.microsoft.com/office/drawing/2014/main" id="{FFD65E34-44EB-8518-AD42-87E7A5433B57}"/>
               </a:ext>
             </a:extLst>
           </p:cNvPr>
@@ -4645,7 +4527,7 @@
         </p:nvSpPr>
         <p:spPr>
           <a:xfrm>
-            <a:off x="4458618" y="3054644"/>
+            <a:off x="9792048" y="3201162"/>
             <a:ext cx="1716237" cy="623093"/>
           </a:xfrm>
           <a:prstGeom prst="roundRect">
@@ -4674,284 +4556,261 @@
             <a:pPr algn="ctr"/>
             <a:r>
               <a:rPr lang="ko-KR" altLang="en-US" sz="1600" b="1" dirty="0"/>
-              <a:t>서비스</a:t>
+              <a:t>회원가입</a:t>
             </a:r>
-            <a:endParaRPr lang="en-US" altLang="ko-KR" sz="1600" b="1" dirty="0"/>
           </a:p>
+        </p:txBody>
+      </p:sp>
+      <p:cxnSp>
+        <p:nvCxnSpPr>
+          <p:cNvPr id="48" name="연결선: 꺾임 47">
+            <a:extLst>
+              <a:ext uri="{FF2B5EF4-FFF2-40B4-BE49-F238E27FC236}">
+                <a16:creationId xmlns:a16="http://schemas.microsoft.com/office/drawing/2014/main" id="{3F66A6BE-0A2D-22AC-ED79-89799142ECC0}"/>
+              </a:ext>
+            </a:extLst>
+          </p:cNvPr>
+          <p:cNvCxnSpPr>
+            <a:cxnSpLocks/>
+            <a:endCxn id="46" idx="0"/>
+          </p:cNvCxnSpPr>
+          <p:nvPr/>
+        </p:nvCxnSpPr>
+        <p:spPr>
+          <a:xfrm rot="16200000" flipH="1">
+            <a:off x="9271201" y="1822197"/>
+            <a:ext cx="6349" cy="2751581"/>
+          </a:xfrm>
+          <a:prstGeom prst="bentConnector3">
+            <a:avLst>
+              <a:gd name="adj1" fmla="val -9224760"/>
+            </a:avLst>
+          </a:prstGeom>
+          <a:ln w="19050">
+            <a:solidFill>
+              <a:schemeClr val="tx1"/>
+            </a:solidFill>
+          </a:ln>
+        </p:spPr>
+        <p:style>
+          <a:lnRef idx="1">
+            <a:schemeClr val="accent1"/>
+          </a:lnRef>
+          <a:fillRef idx="0">
+            <a:schemeClr val="accent1"/>
+          </a:fillRef>
+          <a:effectRef idx="0">
+            <a:schemeClr val="accent1"/>
+          </a:effectRef>
+          <a:fontRef idx="minor">
+            <a:schemeClr val="tx1"/>
+          </a:fontRef>
+        </p:style>
+      </p:cxnSp>
+      <p:sp>
+        <p:nvSpPr>
+          <p:cNvPr id="49" name="사각형: 둥근 모서리 48">
+            <a:extLst>
+              <a:ext uri="{FF2B5EF4-FFF2-40B4-BE49-F238E27FC236}">
+                <a16:creationId xmlns:a16="http://schemas.microsoft.com/office/drawing/2014/main" id="{CCBB564B-29BC-CF43-00BB-F048FA7C7CEE}"/>
+              </a:ext>
+            </a:extLst>
+          </p:cNvPr>
+          <p:cNvSpPr/>
+          <p:nvPr/>
+        </p:nvSpPr>
+        <p:spPr>
+          <a:xfrm>
+            <a:off x="7342613" y="3207512"/>
+            <a:ext cx="1716237" cy="623093"/>
+          </a:xfrm>
+          <a:prstGeom prst="roundRect">
+            <a:avLst/>
+          </a:prstGeom>
+          <a:ln w="19050"/>
+        </p:spPr>
+        <p:style>
+          <a:lnRef idx="2">
+            <a:schemeClr val="dk1"/>
+          </a:lnRef>
+          <a:fillRef idx="1">
+            <a:schemeClr val="lt1"/>
+          </a:fillRef>
+          <a:effectRef idx="0">
+            <a:schemeClr val="dk1"/>
+          </a:effectRef>
+          <a:fontRef idx="minor">
+            <a:schemeClr val="dk1"/>
+          </a:fontRef>
+        </p:style>
+        <p:txBody>
+          <a:bodyPr rtlCol="0" anchor="ctr"/>
+          <a:lstStyle/>
           <a:p>
             <a:pPr algn="ctr"/>
             <a:r>
               <a:rPr lang="ko-KR" altLang="en-US" sz="1600" b="1" dirty="0"/>
-              <a:t>이용절차</a:t>
+              <a:t>로그인</a:t>
             </a:r>
           </a:p>
         </p:txBody>
       </p:sp>
-      <p:grpSp>
-        <p:nvGrpSpPr>
-          <p:cNvPr id="26" name="그룹 25">
+      <p:cxnSp>
+        <p:nvCxnSpPr>
+          <p:cNvPr id="57" name="직선 연결선 56">
             <a:extLst>
               <a:ext uri="{FF2B5EF4-FFF2-40B4-BE49-F238E27FC236}">
-                <a16:creationId xmlns:a16="http://schemas.microsoft.com/office/drawing/2014/main" id="{0D9A8EF9-96F3-2D20-CF42-02BCEC2801A6}"/>
+                <a16:creationId xmlns:a16="http://schemas.microsoft.com/office/drawing/2014/main" id="{C91E60E6-6D88-F8C0-DDCA-50166114299A}"/>
               </a:ext>
             </a:extLst>
           </p:cNvPr>
-          <p:cNvGrpSpPr/>
+          <p:cNvCxnSpPr>
+            <a:cxnSpLocks/>
+          </p:cNvCxnSpPr>
           <p:nvPr/>
-        </p:nvGrpSpPr>
-        <p:grpSpPr>
+        </p:nvCxnSpPr>
+        <p:spPr>
           <a:xfrm>
-            <a:off x="2478633" y="1129139"/>
-            <a:ext cx="7430617" cy="2168632"/>
-            <a:chOff x="2478633" y="1129139"/>
-            <a:chExt cx="7430617" cy="2168632"/>
+            <a:off x="4064000" y="1960376"/>
+            <a:ext cx="0" cy="696888"/>
           </a:xfrm>
-        </p:grpSpPr>
-        <p:cxnSp>
-          <p:nvCxnSpPr>
-            <p:cNvPr id="27" name="연결선: 꺾임 26">
-              <a:extLst>
-                <a:ext uri="{FF2B5EF4-FFF2-40B4-BE49-F238E27FC236}">
-                  <a16:creationId xmlns:a16="http://schemas.microsoft.com/office/drawing/2014/main" id="{384E076D-7FFA-F504-716B-F234A95C164C}"/>
-                </a:ext>
-              </a:extLst>
-            </p:cNvPr>
-            <p:cNvCxnSpPr>
-              <a:cxnSpLocks/>
-              <a:stCxn id="23" idx="0"/>
-              <a:endCxn id="22" idx="0"/>
-            </p:cNvCxnSpPr>
-            <p:nvPr/>
-          </p:nvCxnSpPr>
-          <p:spPr>
-            <a:xfrm rot="5400000" flipH="1" flipV="1">
-              <a:off x="5314163" y="212765"/>
-              <a:ext cx="12700" cy="5683759"/>
-            </a:xfrm>
-            <a:prstGeom prst="bentConnector3">
-              <a:avLst>
-                <a:gd name="adj1" fmla="val 9868724"/>
-              </a:avLst>
-            </a:prstGeom>
-            <a:ln w="19050">
-              <a:solidFill>
-                <a:schemeClr val="tx1"/>
-              </a:solidFill>
-            </a:ln>
-          </p:spPr>
-          <p:style>
-            <a:lnRef idx="1">
-              <a:schemeClr val="accent1"/>
-            </a:lnRef>
-            <a:fillRef idx="0">
-              <a:schemeClr val="accent1"/>
-            </a:fillRef>
-            <a:effectRef idx="0">
-              <a:schemeClr val="accent1"/>
-            </a:effectRef>
-            <a:fontRef idx="minor">
-              <a:schemeClr val="tx1"/>
-            </a:fontRef>
-          </p:style>
-        </p:cxnSp>
-        <p:cxnSp>
-          <p:nvCxnSpPr>
-            <p:cNvPr id="28" name="직선 연결선 27">
-              <a:extLst>
-                <a:ext uri="{FF2B5EF4-FFF2-40B4-BE49-F238E27FC236}">
-                  <a16:creationId xmlns:a16="http://schemas.microsoft.com/office/drawing/2014/main" id="{92945F23-933A-07F7-137F-2A432CC846B6}"/>
-                </a:ext>
-              </a:extLst>
-            </p:cNvPr>
-            <p:cNvCxnSpPr>
-              <a:cxnSpLocks/>
-              <a:stCxn id="5" idx="2"/>
-            </p:cNvCxnSpPr>
-            <p:nvPr/>
-          </p:nvCxnSpPr>
-          <p:spPr>
-            <a:xfrm>
-              <a:off x="6286721" y="1129139"/>
-              <a:ext cx="0" cy="676378"/>
-            </a:xfrm>
-            <a:prstGeom prst="line">
-              <a:avLst/>
-            </a:prstGeom>
-            <a:ln w="19050">
-              <a:solidFill>
-                <a:schemeClr val="tx1"/>
-              </a:solidFill>
-            </a:ln>
-          </p:spPr>
-          <p:style>
-            <a:lnRef idx="1">
-              <a:schemeClr val="accent1"/>
-            </a:lnRef>
-            <a:fillRef idx="0">
-              <a:schemeClr val="accent1"/>
-            </a:fillRef>
-            <a:effectRef idx="0">
-              <a:schemeClr val="accent1"/>
-            </a:effectRef>
-            <a:fontRef idx="minor">
-              <a:schemeClr val="tx1"/>
-            </a:fontRef>
-          </p:style>
-        </p:cxnSp>
-        <p:grpSp>
-          <p:nvGrpSpPr>
-            <p:cNvPr id="29" name="그룹 28">
-              <a:extLst>
-                <a:ext uri="{FF2B5EF4-FFF2-40B4-BE49-F238E27FC236}">
-                  <a16:creationId xmlns:a16="http://schemas.microsoft.com/office/drawing/2014/main" id="{539E4B95-99EB-60EB-BD75-374AA93D1BA0}"/>
-                </a:ext>
-              </a:extLst>
-            </p:cNvPr>
-            <p:cNvGrpSpPr/>
-            <p:nvPr/>
-          </p:nvGrpSpPr>
-          <p:grpSpPr>
-            <a:xfrm>
-              <a:off x="8122062" y="1805518"/>
-              <a:ext cx="1787188" cy="1492253"/>
-              <a:chOff x="8216331" y="1805518"/>
-              <a:chExt cx="1720778" cy="1464336"/>
-            </a:xfrm>
-          </p:grpSpPr>
-          <p:cxnSp>
-            <p:nvCxnSpPr>
-              <p:cNvPr id="32" name="연결선: 꺾임 31">
-                <a:extLst>
-                  <a:ext uri="{FF2B5EF4-FFF2-40B4-BE49-F238E27FC236}">
-                    <a16:creationId xmlns:a16="http://schemas.microsoft.com/office/drawing/2014/main" id="{2121BB88-8AD0-6B24-DE7B-54D695AB0987}"/>
-                  </a:ext>
-                </a:extLst>
-              </p:cNvPr>
-              <p:cNvCxnSpPr>
-                <a:cxnSpLocks/>
-              </p:cNvCxnSpPr>
-              <p:nvPr/>
-            </p:nvCxnSpPr>
-            <p:spPr>
-              <a:xfrm rot="16200000" flipH="1">
-                <a:off x="9031696" y="2364440"/>
-                <a:ext cx="1464336" cy="346491"/>
-              </a:xfrm>
-              <a:prstGeom prst="bentConnector3">
-                <a:avLst>
-                  <a:gd name="adj1" fmla="val 100213"/>
-                </a:avLst>
-              </a:prstGeom>
-              <a:ln w="19050">
-                <a:solidFill>
-                  <a:schemeClr val="tx1"/>
-                </a:solidFill>
-              </a:ln>
-            </p:spPr>
-            <p:style>
-              <a:lnRef idx="1">
-                <a:schemeClr val="accent1"/>
-              </a:lnRef>
-              <a:fillRef idx="0">
-                <a:schemeClr val="accent1"/>
-              </a:fillRef>
-              <a:effectRef idx="0">
-                <a:schemeClr val="accent1"/>
-              </a:effectRef>
-              <a:fontRef idx="minor">
-                <a:schemeClr val="tx1"/>
-              </a:fontRef>
-            </p:style>
-          </p:cxnSp>
-          <p:cxnSp>
-            <p:nvCxnSpPr>
-              <p:cNvPr id="33" name="직선 연결선 32">
-                <a:extLst>
-                  <a:ext uri="{FF2B5EF4-FFF2-40B4-BE49-F238E27FC236}">
-                    <a16:creationId xmlns:a16="http://schemas.microsoft.com/office/drawing/2014/main" id="{044C08CB-0C68-4938-8C73-F09E062917F9}"/>
-                  </a:ext>
-                </a:extLst>
-              </p:cNvPr>
-              <p:cNvCxnSpPr>
-                <a:cxnSpLocks/>
-              </p:cNvCxnSpPr>
-              <p:nvPr/>
-            </p:nvCxnSpPr>
-            <p:spPr>
-              <a:xfrm flipH="1">
-                <a:off x="8216331" y="1808668"/>
-                <a:ext cx="1383461" cy="0"/>
-              </a:xfrm>
-              <a:prstGeom prst="line">
-                <a:avLst/>
-              </a:prstGeom>
-              <a:ln w="19050">
-                <a:solidFill>
-                  <a:schemeClr val="tx1"/>
-                </a:solidFill>
-              </a:ln>
-            </p:spPr>
-            <p:style>
-              <a:lnRef idx="1">
-                <a:schemeClr val="accent1"/>
-              </a:lnRef>
-              <a:fillRef idx="0">
-                <a:schemeClr val="accent1"/>
-              </a:fillRef>
-              <a:effectRef idx="0">
-                <a:schemeClr val="accent1"/>
-              </a:effectRef>
-              <a:fontRef idx="minor">
-                <a:schemeClr val="tx1"/>
-              </a:fontRef>
-            </p:style>
-          </p:cxnSp>
-        </p:grpSp>
-        <p:cxnSp>
-          <p:nvCxnSpPr>
-            <p:cNvPr id="31" name="직선 연결선 30">
-              <a:extLst>
-                <a:ext uri="{FF2B5EF4-FFF2-40B4-BE49-F238E27FC236}">
-                  <a16:creationId xmlns:a16="http://schemas.microsoft.com/office/drawing/2014/main" id="{66AA1643-53CF-ADB4-45C4-0D2D4B41367C}"/>
-                </a:ext>
-              </a:extLst>
-            </p:cNvPr>
-            <p:cNvCxnSpPr>
-              <a:cxnSpLocks/>
-              <a:endCxn id="25" idx="0"/>
-            </p:cNvCxnSpPr>
-            <p:nvPr/>
-          </p:nvCxnSpPr>
-          <p:spPr>
-            <a:xfrm>
-              <a:off x="5316737" y="1805517"/>
-              <a:ext cx="0" cy="1249127"/>
-            </a:xfrm>
-            <a:prstGeom prst="line">
-              <a:avLst/>
-            </a:prstGeom>
-            <a:ln w="19050">
-              <a:solidFill>
-                <a:schemeClr val="tx1"/>
-              </a:solidFill>
-            </a:ln>
-          </p:spPr>
-          <p:style>
-            <a:lnRef idx="1">
-              <a:schemeClr val="accent1"/>
-            </a:lnRef>
-            <a:fillRef idx="0">
-              <a:schemeClr val="accent1"/>
-            </a:fillRef>
-            <a:effectRef idx="0">
-              <a:schemeClr val="accent1"/>
-            </a:effectRef>
-            <a:fontRef idx="minor">
-              <a:schemeClr val="tx1"/>
-            </a:fontRef>
-          </p:style>
-        </p:cxnSp>
-      </p:grpSp>
+          <a:prstGeom prst="line">
+            <a:avLst/>
+          </a:prstGeom>
+          <a:ln w="19050"/>
+        </p:spPr>
+        <p:style>
+          <a:lnRef idx="1">
+            <a:schemeClr val="dk1"/>
+          </a:lnRef>
+          <a:fillRef idx="0">
+            <a:schemeClr val="dk1"/>
+          </a:fillRef>
+          <a:effectRef idx="0">
+            <a:schemeClr val="dk1"/>
+          </a:effectRef>
+          <a:fontRef idx="minor">
+            <a:schemeClr val="tx1"/>
+          </a:fontRef>
+        </p:style>
+      </p:cxnSp>
+      <p:cxnSp>
+        <p:nvCxnSpPr>
+          <p:cNvPr id="62" name="직선 연결선 61">
+            <a:extLst>
+              <a:ext uri="{FF2B5EF4-FFF2-40B4-BE49-F238E27FC236}">
+                <a16:creationId xmlns:a16="http://schemas.microsoft.com/office/drawing/2014/main" id="{4C5BA283-253F-FF2D-60E0-F1691F7402FA}"/>
+              </a:ext>
+            </a:extLst>
+          </p:cNvPr>
+          <p:cNvCxnSpPr>
+            <a:cxnSpLocks/>
+          </p:cNvCxnSpPr>
+          <p:nvPr/>
+        </p:nvCxnSpPr>
+        <p:spPr>
+          <a:xfrm>
+            <a:off x="9409844" y="1960376"/>
+            <a:ext cx="0" cy="646088"/>
+          </a:xfrm>
+          <a:prstGeom prst="line">
+            <a:avLst/>
+          </a:prstGeom>
+          <a:ln w="19050"/>
+        </p:spPr>
+        <p:style>
+          <a:lnRef idx="1">
+            <a:schemeClr val="dk1"/>
+          </a:lnRef>
+          <a:fillRef idx="0">
+            <a:schemeClr val="dk1"/>
+          </a:fillRef>
+          <a:effectRef idx="0">
+            <a:schemeClr val="dk1"/>
+          </a:effectRef>
+          <a:fontRef idx="minor">
+            <a:schemeClr val="tx1"/>
+          </a:fontRef>
+        </p:style>
+      </p:cxnSp>
+      <p:cxnSp>
+        <p:nvCxnSpPr>
+          <p:cNvPr id="63" name="직선 연결선 62">
+            <a:extLst>
+              <a:ext uri="{FF2B5EF4-FFF2-40B4-BE49-F238E27FC236}">
+                <a16:creationId xmlns:a16="http://schemas.microsoft.com/office/drawing/2014/main" id="{ECD4FA4B-4257-951D-D5CF-6C117D9EAC40}"/>
+              </a:ext>
+            </a:extLst>
+          </p:cNvPr>
+          <p:cNvCxnSpPr>
+            <a:cxnSpLocks/>
+          </p:cNvCxnSpPr>
+          <p:nvPr/>
+        </p:nvCxnSpPr>
+        <p:spPr>
+          <a:xfrm flipH="1">
+            <a:off x="4064000" y="1960376"/>
+            <a:ext cx="5345844" cy="0"/>
+          </a:xfrm>
+          <a:prstGeom prst="line">
+            <a:avLst/>
+          </a:prstGeom>
+          <a:ln w="19050"/>
+        </p:spPr>
+        <p:style>
+          <a:lnRef idx="1">
+            <a:schemeClr val="dk1"/>
+          </a:lnRef>
+          <a:fillRef idx="0">
+            <a:schemeClr val="dk1"/>
+          </a:fillRef>
+          <a:effectRef idx="0">
+            <a:schemeClr val="dk1"/>
+          </a:effectRef>
+          <a:fontRef idx="minor">
+            <a:schemeClr val="tx1"/>
+          </a:fontRef>
+        </p:style>
+      </p:cxnSp>
+      <p:cxnSp>
+        <p:nvCxnSpPr>
+          <p:cNvPr id="72" name="직선 연결선 71">
+            <a:extLst>
+              <a:ext uri="{FF2B5EF4-FFF2-40B4-BE49-F238E27FC236}">
+                <a16:creationId xmlns:a16="http://schemas.microsoft.com/office/drawing/2014/main" id="{5C0C345D-6218-10B5-86D0-C0FBD311CAEF}"/>
+              </a:ext>
+            </a:extLst>
+          </p:cNvPr>
+          <p:cNvCxnSpPr>
+            <a:cxnSpLocks/>
+          </p:cNvCxnSpPr>
+          <p:nvPr/>
+        </p:nvCxnSpPr>
+        <p:spPr>
+          <a:xfrm>
+            <a:off x="6299421" y="1129139"/>
+            <a:ext cx="0" cy="831237"/>
+          </a:xfrm>
+          <a:prstGeom prst="line">
+            <a:avLst/>
+          </a:prstGeom>
+          <a:ln w="19050"/>
+        </p:spPr>
+        <p:style>
+          <a:lnRef idx="1">
+            <a:schemeClr val="dk1"/>
+          </a:lnRef>
+          <a:fillRef idx="0">
+            <a:schemeClr val="dk1"/>
+          </a:fillRef>
+          <a:effectRef idx="0">
+            <a:schemeClr val="dk1"/>
+          </a:effectRef>
+          <a:fontRef idx="minor">
+            <a:schemeClr val="tx1"/>
+          </a:fontRef>
+        </p:style>
+      </p:cxnSp>
     </p:spTree>
     <p:extLst>
       <p:ext uri="{BB962C8B-B14F-4D97-AF65-F5344CB8AC3E}">
@@ -5091,7 +4950,7 @@
           <p:nvPr>
             <p:extLst>
               <p:ext uri="{D42A27DB-BD31-4B8C-83A1-F6EECF244321}">
-                <p14:modId xmlns:p14="http://schemas.microsoft.com/office/powerpoint/2010/main" val="1398277063"/>
+                <p14:modId xmlns:p14="http://schemas.microsoft.com/office/powerpoint/2010/main" val="270339576"/>
               </p:ext>
             </p:extLst>
           </p:nvPr>
@@ -5135,7 +4994,7 @@
                       </a:r>
                       <a:r>
                         <a:rPr lang="ko-KR" altLang="en-US" dirty="0"/>
-                        <a:t> 문의 하기</a:t>
+                        <a:t> 문의 목록</a:t>
                       </a:r>
                     </a:p>
                   </a:txBody>
@@ -5179,6 +5038,104 @@
                     <a:bodyPr/>
                     <a:lstStyle/>
                     <a:p>
+                      <a:pPr marL="342900" marR="0" lvl="0" indent="-342900" algn="l" defTabSz="914400" rtl="0" eaLnBrk="1" fontAlgn="auto" latinLnBrk="1" hangingPunct="1">
+                        <a:lnSpc>
+                          <a:spcPct val="100000"/>
+                        </a:lnSpc>
+                        <a:spcBef>
+                          <a:spcPts val="0"/>
+                        </a:spcBef>
+                        <a:spcAft>
+                          <a:spcPts val="0"/>
+                        </a:spcAft>
+                        <a:buClrTx/>
+                        <a:buSzTx/>
+                        <a:buFontTx/>
+                        <a:buAutoNum type="arabicPeriod"/>
+                        <a:tabLst/>
+                        <a:defRPr/>
+                      </a:pPr>
+                      <a:r>
+                        <a:rPr lang="ko-KR" altLang="en-US" dirty="0"/>
+                        <a:t>각각 </a:t>
+                      </a:r>
+                      <a:r>
+                        <a:rPr lang="ko-KR" altLang="en-US" dirty="0" err="1"/>
+                        <a:t>최신순</a:t>
+                      </a:r>
+                      <a:r>
+                        <a:rPr lang="en-US" altLang="ko-KR" dirty="0"/>
+                        <a:t>, </a:t>
+                      </a:r>
+                      <a:r>
+                        <a:rPr lang="ko-KR" altLang="en-US" dirty="0"/>
+                        <a:t>조회순</a:t>
+                      </a:r>
+                      <a:r>
+                        <a:rPr lang="en-US" altLang="ko-KR" dirty="0"/>
+                        <a:t>, </a:t>
+                      </a:r>
+                      <a:r>
+                        <a:rPr lang="ko-KR" altLang="en-US" dirty="0"/>
+                        <a:t>날짜순으로 정렬</a:t>
+                      </a:r>
+                      <a:endParaRPr lang="en-US" altLang="ko-KR" dirty="0"/>
+                    </a:p>
+                    <a:p>
+                      <a:pPr marL="342900" marR="0" lvl="0" indent="-342900" algn="l" defTabSz="914400" rtl="0" eaLnBrk="1" fontAlgn="auto" latinLnBrk="1" hangingPunct="1">
+                        <a:lnSpc>
+                          <a:spcPct val="100000"/>
+                        </a:lnSpc>
+                        <a:spcBef>
+                          <a:spcPts val="0"/>
+                        </a:spcBef>
+                        <a:spcAft>
+                          <a:spcPts val="0"/>
+                        </a:spcAft>
+                        <a:buClrTx/>
+                        <a:buSzTx/>
+                        <a:buFontTx/>
+                        <a:buAutoNum type="arabicPeriod"/>
+                        <a:tabLst/>
+                        <a:defRPr/>
+                      </a:pPr>
+                      <a:r>
+                        <a:rPr lang="ko-KR" altLang="en-US" dirty="0"/>
+                        <a:t>새로운 문의 작성 화면으로 이동</a:t>
+                      </a:r>
+                      <a:endParaRPr lang="en-US" altLang="ko-KR" dirty="0"/>
+                    </a:p>
+                    <a:p>
+                      <a:pPr marL="342900" indent="-342900" latinLnBrk="1">
+                        <a:buAutoNum type="arabicPeriod"/>
+                      </a:pPr>
+                      <a:r>
+                        <a:rPr lang="ko-KR" altLang="en-US" dirty="0"/>
+                        <a:t>문의 목록 출력</a:t>
+                      </a:r>
+                      <a:endParaRPr lang="en-US" altLang="ko-KR" dirty="0"/>
+                    </a:p>
+                    <a:p>
+                      <a:pPr marL="342900" indent="-342900" latinLnBrk="1">
+                        <a:buAutoNum type="arabicPeriod"/>
+                      </a:pPr>
+                      <a:r>
+                        <a:rPr lang="ko-KR" altLang="en-US" dirty="0"/>
+                        <a:t>검색하고자 하는 문의의 제목을 입력</a:t>
+                      </a:r>
+                      <a:endParaRPr lang="en-US" altLang="ko-KR" dirty="0"/>
+                    </a:p>
+                    <a:p>
+                      <a:pPr marL="342900" indent="-342900" latinLnBrk="1">
+                        <a:buAutoNum type="arabicPeriod"/>
+                      </a:pPr>
+                      <a:r>
+                        <a:rPr lang="ko-KR" altLang="en-US" dirty="0"/>
+                        <a:t>입력된 제목을 토대로 검색 후 목록 출력 </a:t>
+                      </a:r>
+                      <a:endParaRPr lang="en-US" altLang="ko-KR" dirty="0"/>
+                    </a:p>
+                    <a:p>
                       <a:pPr marL="342900" indent="-342900" latinLnBrk="1">
                         <a:buAutoNum type="arabicPeriod"/>
                       </a:pPr>
@@ -5197,6 +5154,1258 @@
           </a:graphicData>
         </a:graphic>
       </p:graphicFrame>
+      <p:sp>
+        <p:nvSpPr>
+          <p:cNvPr id="4" name="TextBox 3">
+            <a:extLst>
+              <a:ext uri="{FF2B5EF4-FFF2-40B4-BE49-F238E27FC236}">
+                <a16:creationId xmlns:a16="http://schemas.microsoft.com/office/drawing/2014/main" id="{F07008EC-2007-1A85-AFE6-1CA0007F3BFD}"/>
+              </a:ext>
+            </a:extLst>
+          </p:cNvPr>
+          <p:cNvSpPr txBox="1"/>
+          <p:nvPr/>
+        </p:nvSpPr>
+        <p:spPr>
+          <a:xfrm flipH="1">
+            <a:off x="3638367" y="1231785"/>
+            <a:ext cx="2734324" cy="584775"/>
+          </a:xfrm>
+          <a:prstGeom prst="rect">
+            <a:avLst/>
+          </a:prstGeom>
+          <a:noFill/>
+        </p:spPr>
+        <p:txBody>
+          <a:bodyPr wrap="square" rtlCol="0">
+            <a:spAutoFit/>
+          </a:bodyPr>
+          <a:lstStyle/>
+          <a:p>
+            <a:pPr algn="ctr"/>
+            <a:r>
+              <a:rPr lang="en-US" altLang="ko-KR" sz="3200" dirty="0" err="1"/>
+              <a:t>factoreview</a:t>
+            </a:r>
+            <a:endParaRPr lang="ko-KR" altLang="en-US" sz="3200" dirty="0"/>
+          </a:p>
+        </p:txBody>
+      </p:sp>
+      <p:sp>
+        <p:nvSpPr>
+          <p:cNvPr id="5" name="사각형: 둥근 모서리 4">
+            <a:extLst>
+              <a:ext uri="{FF2B5EF4-FFF2-40B4-BE49-F238E27FC236}">
+                <a16:creationId xmlns:a16="http://schemas.microsoft.com/office/drawing/2014/main" id="{B3EA3E54-DC16-FC19-A7EB-72BA6233783B}"/>
+              </a:ext>
+            </a:extLst>
+          </p:cNvPr>
+          <p:cNvSpPr/>
+          <p:nvPr/>
+        </p:nvSpPr>
+        <p:spPr>
+          <a:xfrm>
+            <a:off x="6905240" y="1742311"/>
+            <a:ext cx="1223746" cy="452761"/>
+          </a:xfrm>
+          <a:prstGeom prst="roundRect">
+            <a:avLst/>
+          </a:prstGeom>
+        </p:spPr>
+        <p:style>
+          <a:lnRef idx="2">
+            <a:schemeClr val="dk1"/>
+          </a:lnRef>
+          <a:fillRef idx="1">
+            <a:schemeClr val="lt1"/>
+          </a:fillRef>
+          <a:effectRef idx="0">
+            <a:schemeClr val="dk1"/>
+          </a:effectRef>
+          <a:fontRef idx="minor">
+            <a:schemeClr val="dk1"/>
+          </a:fontRef>
+        </p:style>
+        <p:txBody>
+          <a:bodyPr rtlCol="0" anchor="ctr"/>
+          <a:lstStyle/>
+          <a:p>
+            <a:pPr algn="ctr"/>
+            <a:r>
+              <a:rPr lang="ko-KR" altLang="en-US" dirty="0"/>
+              <a:t>문의작성</a:t>
+            </a:r>
+          </a:p>
+        </p:txBody>
+      </p:sp>
+      <p:graphicFrame>
+        <p:nvGraphicFramePr>
+          <p:cNvPr id="6" name="표 22">
+            <a:extLst>
+              <a:ext uri="{FF2B5EF4-FFF2-40B4-BE49-F238E27FC236}">
+                <a16:creationId xmlns:a16="http://schemas.microsoft.com/office/drawing/2014/main" id="{C1BEA95C-2693-3ADE-8A18-C606E9D9AB80}"/>
+              </a:ext>
+            </a:extLst>
+          </p:cNvPr>
+          <p:cNvGraphicFramePr>
+            <a:graphicFrameLocks noGrp="1"/>
+          </p:cNvGraphicFramePr>
+          <p:nvPr>
+            <p:extLst>
+              <p:ext uri="{D42A27DB-BD31-4B8C-83A1-F6EECF244321}">
+                <p14:modId xmlns:p14="http://schemas.microsoft.com/office/powerpoint/2010/main" val="1697870420"/>
+              </p:ext>
+            </p:extLst>
+          </p:nvPr>
+        </p:nvGraphicFramePr>
+        <p:xfrm>
+          <a:off x="1907217" y="2452985"/>
+          <a:ext cx="6221767" cy="2689638"/>
+        </p:xfrm>
+        <a:graphic>
+          <a:graphicData uri="http://schemas.openxmlformats.org/drawingml/2006/table">
+            <a:tbl>
+              <a:tblPr firstRow="1" bandRow="1">
+                <a:tableStyleId>{5940675A-B579-460E-94D1-54222C63F5DA}</a:tableStyleId>
+              </a:tblPr>
+              <a:tblGrid>
+                <a:gridCol w="909954">
+                  <a:extLst>
+                    <a:ext uri="{9D8B030D-6E8A-4147-A177-3AD203B41FA5}">
+                      <a16:colId xmlns:a16="http://schemas.microsoft.com/office/drawing/2014/main" val="1535330514"/>
+                    </a:ext>
+                  </a:extLst>
+                </a:gridCol>
+                <a:gridCol w="1847347">
+                  <a:extLst>
+                    <a:ext uri="{9D8B030D-6E8A-4147-A177-3AD203B41FA5}">
+                      <a16:colId xmlns:a16="http://schemas.microsoft.com/office/drawing/2014/main" val="1088627568"/>
+                    </a:ext>
+                  </a:extLst>
+                </a:gridCol>
+                <a:gridCol w="1595990">
+                  <a:extLst>
+                    <a:ext uri="{9D8B030D-6E8A-4147-A177-3AD203B41FA5}">
+                      <a16:colId xmlns:a16="http://schemas.microsoft.com/office/drawing/2014/main" val="2185183200"/>
+                    </a:ext>
+                  </a:extLst>
+                </a:gridCol>
+                <a:gridCol w="1868476">
+                  <a:extLst>
+                    <a:ext uri="{9D8B030D-6E8A-4147-A177-3AD203B41FA5}">
+                      <a16:colId xmlns:a16="http://schemas.microsoft.com/office/drawing/2014/main" val="3319425057"/>
+                    </a:ext>
+                  </a:extLst>
+                </a:gridCol>
+              </a:tblGrid>
+              <a:tr h="448273">
+                <a:tc>
+                  <a:txBody>
+                    <a:bodyPr/>
+                    <a:lstStyle/>
+                    <a:p>
+                      <a:pPr algn="ctr" latinLnBrk="1"/>
+                      <a:r>
+                        <a:rPr lang="ko-KR" altLang="en-US" dirty="0"/>
+                        <a:t>번호</a:t>
+                      </a:r>
+                    </a:p>
+                  </a:txBody>
+                  <a:tcPr/>
+                </a:tc>
+                <a:tc>
+                  <a:txBody>
+                    <a:bodyPr/>
+                    <a:lstStyle/>
+                    <a:p>
+                      <a:pPr algn="ctr" latinLnBrk="1"/>
+                      <a:r>
+                        <a:rPr lang="ko-KR" altLang="en-US" dirty="0"/>
+                        <a:t>제목</a:t>
+                      </a:r>
+                    </a:p>
+                  </a:txBody>
+                  <a:tcPr/>
+                </a:tc>
+                <a:tc>
+                  <a:txBody>
+                    <a:bodyPr/>
+                    <a:lstStyle/>
+                    <a:p>
+                      <a:pPr algn="ctr" latinLnBrk="1"/>
+                      <a:r>
+                        <a:rPr lang="ko-KR" altLang="en-US" dirty="0"/>
+                        <a:t>작성자</a:t>
+                      </a:r>
+                    </a:p>
+                  </a:txBody>
+                  <a:tcPr/>
+                </a:tc>
+                <a:tc>
+                  <a:txBody>
+                    <a:bodyPr/>
+                    <a:lstStyle/>
+                    <a:p>
+                      <a:pPr algn="ctr" latinLnBrk="1"/>
+                      <a:r>
+                        <a:rPr lang="ko-KR" altLang="en-US" dirty="0"/>
+                        <a:t>작성일자</a:t>
+                      </a:r>
+                    </a:p>
+                  </a:txBody>
+                  <a:tcPr/>
+                </a:tc>
+                <a:extLst>
+                  <a:ext uri="{0D108BD9-81ED-4DB2-BD59-A6C34878D82A}">
+                    <a16:rowId xmlns:a16="http://schemas.microsoft.com/office/drawing/2014/main" val="3364593980"/>
+                  </a:ext>
+                </a:extLst>
+              </a:tr>
+              <a:tr h="448273">
+                <a:tc>
+                  <a:txBody>
+                    <a:bodyPr/>
+                    <a:lstStyle/>
+                    <a:p>
+                      <a:pPr algn="ctr" latinLnBrk="1"/>
+                      <a:r>
+                        <a:rPr lang="en-US" altLang="ko-KR" dirty="0"/>
+                        <a:t>1</a:t>
+                      </a:r>
+                      <a:endParaRPr lang="ko-KR" altLang="en-US" dirty="0"/>
+                    </a:p>
+                  </a:txBody>
+                  <a:tcPr/>
+                </a:tc>
+                <a:tc>
+                  <a:txBody>
+                    <a:bodyPr/>
+                    <a:lstStyle/>
+                    <a:p>
+                      <a:pPr algn="ctr" latinLnBrk="1"/>
+                      <a:r>
+                        <a:rPr lang="ko-KR" altLang="en-US" dirty="0"/>
+                        <a:t>리뷰 오류</a:t>
+                      </a:r>
+                      <a:r>
+                        <a:rPr lang="en-US" altLang="ko-KR" dirty="0"/>
+                        <a:t>…</a:t>
+                      </a:r>
+                      <a:endParaRPr lang="ko-KR" altLang="en-US" dirty="0"/>
+                    </a:p>
+                  </a:txBody>
+                  <a:tcPr/>
+                </a:tc>
+                <a:tc>
+                  <a:txBody>
+                    <a:bodyPr/>
+                    <a:lstStyle/>
+                    <a:p>
+                      <a:pPr algn="ctr" latinLnBrk="1"/>
+                      <a:r>
+                        <a:rPr lang="ko-KR" altLang="en-US" dirty="0"/>
+                        <a:t>박수현</a:t>
+                      </a:r>
+                    </a:p>
+                  </a:txBody>
+                  <a:tcPr/>
+                </a:tc>
+                <a:tc>
+                  <a:txBody>
+                    <a:bodyPr/>
+                    <a:lstStyle/>
+                    <a:p>
+                      <a:pPr algn="ctr" latinLnBrk="1"/>
+                      <a:r>
+                        <a:rPr lang="en-US" altLang="ko-KR" dirty="0"/>
+                        <a:t>2020-12-25</a:t>
+                      </a:r>
+                      <a:endParaRPr lang="ko-KR" altLang="en-US" dirty="0"/>
+                    </a:p>
+                  </a:txBody>
+                  <a:tcPr/>
+                </a:tc>
+                <a:extLst>
+                  <a:ext uri="{0D108BD9-81ED-4DB2-BD59-A6C34878D82A}">
+                    <a16:rowId xmlns:a16="http://schemas.microsoft.com/office/drawing/2014/main" val="2189580436"/>
+                  </a:ext>
+                </a:extLst>
+              </a:tr>
+              <a:tr h="448273">
+                <a:tc>
+                  <a:txBody>
+                    <a:bodyPr/>
+                    <a:lstStyle/>
+                    <a:p>
+                      <a:pPr latinLnBrk="1"/>
+                      <a:endParaRPr lang="ko-KR" altLang="en-US"/>
+                    </a:p>
+                  </a:txBody>
+                  <a:tcPr/>
+                </a:tc>
+                <a:tc>
+                  <a:txBody>
+                    <a:bodyPr/>
+                    <a:lstStyle/>
+                    <a:p>
+                      <a:pPr latinLnBrk="1"/>
+                      <a:endParaRPr lang="ko-KR" altLang="en-US"/>
+                    </a:p>
+                  </a:txBody>
+                  <a:tcPr/>
+                </a:tc>
+                <a:tc>
+                  <a:txBody>
+                    <a:bodyPr/>
+                    <a:lstStyle/>
+                    <a:p>
+                      <a:pPr latinLnBrk="1"/>
+                      <a:endParaRPr lang="ko-KR" altLang="en-US"/>
+                    </a:p>
+                  </a:txBody>
+                  <a:tcPr/>
+                </a:tc>
+                <a:tc>
+                  <a:txBody>
+                    <a:bodyPr/>
+                    <a:lstStyle/>
+                    <a:p>
+                      <a:pPr latinLnBrk="1"/>
+                      <a:endParaRPr lang="ko-KR" altLang="en-US"/>
+                    </a:p>
+                  </a:txBody>
+                  <a:tcPr/>
+                </a:tc>
+                <a:extLst>
+                  <a:ext uri="{0D108BD9-81ED-4DB2-BD59-A6C34878D82A}">
+                    <a16:rowId xmlns:a16="http://schemas.microsoft.com/office/drawing/2014/main" val="3291430246"/>
+                  </a:ext>
+                </a:extLst>
+              </a:tr>
+              <a:tr h="448273">
+                <a:tc>
+                  <a:txBody>
+                    <a:bodyPr/>
+                    <a:lstStyle/>
+                    <a:p>
+                      <a:pPr latinLnBrk="1"/>
+                      <a:endParaRPr lang="ko-KR" altLang="en-US"/>
+                    </a:p>
+                  </a:txBody>
+                  <a:tcPr/>
+                </a:tc>
+                <a:tc>
+                  <a:txBody>
+                    <a:bodyPr/>
+                    <a:lstStyle/>
+                    <a:p>
+                      <a:pPr latinLnBrk="1"/>
+                      <a:endParaRPr lang="ko-KR" altLang="en-US"/>
+                    </a:p>
+                  </a:txBody>
+                  <a:tcPr/>
+                </a:tc>
+                <a:tc>
+                  <a:txBody>
+                    <a:bodyPr/>
+                    <a:lstStyle/>
+                    <a:p>
+                      <a:pPr latinLnBrk="1"/>
+                      <a:endParaRPr lang="ko-KR" altLang="en-US"/>
+                    </a:p>
+                  </a:txBody>
+                  <a:tcPr/>
+                </a:tc>
+                <a:tc>
+                  <a:txBody>
+                    <a:bodyPr/>
+                    <a:lstStyle/>
+                    <a:p>
+                      <a:pPr latinLnBrk="1"/>
+                      <a:endParaRPr lang="ko-KR" altLang="en-US" dirty="0"/>
+                    </a:p>
+                  </a:txBody>
+                  <a:tcPr/>
+                </a:tc>
+                <a:extLst>
+                  <a:ext uri="{0D108BD9-81ED-4DB2-BD59-A6C34878D82A}">
+                    <a16:rowId xmlns:a16="http://schemas.microsoft.com/office/drawing/2014/main" val="3783940795"/>
+                  </a:ext>
+                </a:extLst>
+              </a:tr>
+              <a:tr h="448273">
+                <a:tc>
+                  <a:txBody>
+                    <a:bodyPr/>
+                    <a:lstStyle/>
+                    <a:p>
+                      <a:pPr latinLnBrk="1"/>
+                      <a:endParaRPr lang="ko-KR" altLang="en-US"/>
+                    </a:p>
+                  </a:txBody>
+                  <a:tcPr/>
+                </a:tc>
+                <a:tc>
+                  <a:txBody>
+                    <a:bodyPr/>
+                    <a:lstStyle/>
+                    <a:p>
+                      <a:pPr latinLnBrk="1"/>
+                      <a:endParaRPr lang="ko-KR" altLang="en-US"/>
+                    </a:p>
+                  </a:txBody>
+                  <a:tcPr/>
+                </a:tc>
+                <a:tc>
+                  <a:txBody>
+                    <a:bodyPr/>
+                    <a:lstStyle/>
+                    <a:p>
+                      <a:pPr latinLnBrk="1"/>
+                      <a:endParaRPr lang="ko-KR" altLang="en-US"/>
+                    </a:p>
+                  </a:txBody>
+                  <a:tcPr/>
+                </a:tc>
+                <a:tc>
+                  <a:txBody>
+                    <a:bodyPr/>
+                    <a:lstStyle/>
+                    <a:p>
+                      <a:pPr latinLnBrk="1"/>
+                      <a:endParaRPr lang="ko-KR" altLang="en-US"/>
+                    </a:p>
+                  </a:txBody>
+                  <a:tcPr/>
+                </a:tc>
+                <a:extLst>
+                  <a:ext uri="{0D108BD9-81ED-4DB2-BD59-A6C34878D82A}">
+                    <a16:rowId xmlns:a16="http://schemas.microsoft.com/office/drawing/2014/main" val="74827506"/>
+                  </a:ext>
+                </a:extLst>
+              </a:tr>
+              <a:tr h="448273">
+                <a:tc>
+                  <a:txBody>
+                    <a:bodyPr/>
+                    <a:lstStyle/>
+                    <a:p>
+                      <a:pPr latinLnBrk="1"/>
+                      <a:endParaRPr lang="ko-KR" altLang="en-US"/>
+                    </a:p>
+                  </a:txBody>
+                  <a:tcPr/>
+                </a:tc>
+                <a:tc>
+                  <a:txBody>
+                    <a:bodyPr/>
+                    <a:lstStyle/>
+                    <a:p>
+                      <a:pPr latinLnBrk="1"/>
+                      <a:endParaRPr lang="ko-KR" altLang="en-US" dirty="0"/>
+                    </a:p>
+                  </a:txBody>
+                  <a:tcPr/>
+                </a:tc>
+                <a:tc>
+                  <a:txBody>
+                    <a:bodyPr/>
+                    <a:lstStyle/>
+                    <a:p>
+                      <a:pPr latinLnBrk="1"/>
+                      <a:endParaRPr lang="ko-KR" altLang="en-US"/>
+                    </a:p>
+                  </a:txBody>
+                  <a:tcPr/>
+                </a:tc>
+                <a:tc>
+                  <a:txBody>
+                    <a:bodyPr/>
+                    <a:lstStyle/>
+                    <a:p>
+                      <a:pPr latinLnBrk="1"/>
+                      <a:endParaRPr lang="ko-KR" altLang="en-US" dirty="0"/>
+                    </a:p>
+                  </a:txBody>
+                  <a:tcPr/>
+                </a:tc>
+                <a:extLst>
+                  <a:ext uri="{0D108BD9-81ED-4DB2-BD59-A6C34878D82A}">
+                    <a16:rowId xmlns:a16="http://schemas.microsoft.com/office/drawing/2014/main" val="2091260771"/>
+                  </a:ext>
+                </a:extLst>
+              </a:tr>
+            </a:tbl>
+          </a:graphicData>
+        </a:graphic>
+      </p:graphicFrame>
+      <p:sp>
+        <p:nvSpPr>
+          <p:cNvPr id="7" name="사각형: 둥근 모서리 6">
+            <a:extLst>
+              <a:ext uri="{FF2B5EF4-FFF2-40B4-BE49-F238E27FC236}">
+                <a16:creationId xmlns:a16="http://schemas.microsoft.com/office/drawing/2014/main" id="{18033AA2-2FF0-05BA-0FF3-33FAE48E4895}"/>
+              </a:ext>
+            </a:extLst>
+          </p:cNvPr>
+          <p:cNvSpPr/>
+          <p:nvPr/>
+        </p:nvSpPr>
+        <p:spPr>
+          <a:xfrm>
+            <a:off x="1907217" y="1742310"/>
+            <a:ext cx="1347796" cy="452761"/>
+          </a:xfrm>
+          <a:prstGeom prst="roundRect">
+            <a:avLst/>
+          </a:prstGeom>
+        </p:spPr>
+        <p:style>
+          <a:lnRef idx="2">
+            <a:schemeClr val="dk1"/>
+          </a:lnRef>
+          <a:fillRef idx="1">
+            <a:schemeClr val="lt1"/>
+          </a:fillRef>
+          <a:effectRef idx="0">
+            <a:schemeClr val="dk1"/>
+          </a:effectRef>
+          <a:fontRef idx="minor">
+            <a:schemeClr val="dk1"/>
+          </a:fontRef>
+        </p:style>
+        <p:txBody>
+          <a:bodyPr rtlCol="0" anchor="ctr"/>
+          <a:lstStyle/>
+          <a:p>
+            <a:pPr algn="ctr"/>
+            <a:r>
+              <a:rPr lang="ko-KR" altLang="en-US" dirty="0" err="1"/>
+              <a:t>최신순</a:t>
+            </a:r>
+            <a:r>
+              <a:rPr lang="ko-KR" altLang="en-US" dirty="0"/>
+              <a:t> ▼</a:t>
+            </a:r>
+          </a:p>
+        </p:txBody>
+      </p:sp>
+      <p:sp>
+        <p:nvSpPr>
+          <p:cNvPr id="8" name="TextBox 7">
+            <a:extLst>
+              <a:ext uri="{FF2B5EF4-FFF2-40B4-BE49-F238E27FC236}">
+                <a16:creationId xmlns:a16="http://schemas.microsoft.com/office/drawing/2014/main" id="{5F85E815-929A-2A00-9D0F-292D96E6EEC0}"/>
+              </a:ext>
+            </a:extLst>
+          </p:cNvPr>
+          <p:cNvSpPr txBox="1"/>
+          <p:nvPr/>
+        </p:nvSpPr>
+        <p:spPr>
+          <a:xfrm>
+            <a:off x="3755254" y="5363499"/>
+            <a:ext cx="1770036" cy="369332"/>
+          </a:xfrm>
+          <a:prstGeom prst="rect">
+            <a:avLst/>
+          </a:prstGeom>
+          <a:noFill/>
+        </p:spPr>
+        <p:txBody>
+          <a:bodyPr wrap="none" rtlCol="0">
+            <a:spAutoFit/>
+          </a:bodyPr>
+          <a:lstStyle/>
+          <a:p>
+            <a:r>
+              <a:rPr lang="ko-KR" altLang="en-US" dirty="0"/>
+              <a:t>◀ </a:t>
+            </a:r>
+            <a:r>
+              <a:rPr lang="en-US" altLang="ko-KR" dirty="0"/>
+              <a:t>1 2</a:t>
+            </a:r>
+            <a:r>
+              <a:rPr lang="ko-KR" altLang="en-US" dirty="0"/>
+              <a:t> </a:t>
+            </a:r>
+            <a:r>
+              <a:rPr lang="en-US" altLang="ko-KR" dirty="0"/>
+              <a:t>3</a:t>
+            </a:r>
+            <a:r>
+              <a:rPr lang="ko-KR" altLang="en-US" dirty="0"/>
+              <a:t> </a:t>
+            </a:r>
+            <a:r>
+              <a:rPr lang="en-US" altLang="ko-KR" dirty="0"/>
+              <a:t>4</a:t>
+            </a:r>
+            <a:r>
+              <a:rPr lang="ko-KR" altLang="en-US" dirty="0"/>
+              <a:t> </a:t>
+            </a:r>
+            <a:r>
+              <a:rPr lang="en-US" altLang="ko-KR" dirty="0"/>
+              <a:t>5 </a:t>
+            </a:r>
+            <a:r>
+              <a:rPr lang="ko-KR" altLang="en-US" dirty="0"/>
+              <a:t>▶</a:t>
+            </a:r>
+          </a:p>
+        </p:txBody>
+      </p:sp>
+      <p:sp>
+        <p:nvSpPr>
+          <p:cNvPr id="9" name="사각형: 둥근 모서리 8">
+            <a:extLst>
+              <a:ext uri="{FF2B5EF4-FFF2-40B4-BE49-F238E27FC236}">
+                <a16:creationId xmlns:a16="http://schemas.microsoft.com/office/drawing/2014/main" id="{AF3BACEC-8499-56B9-6754-C74C02AA9DD9}"/>
+              </a:ext>
+            </a:extLst>
+          </p:cNvPr>
+          <p:cNvSpPr/>
+          <p:nvPr/>
+        </p:nvSpPr>
+        <p:spPr>
+          <a:xfrm>
+            <a:off x="3222592" y="5819997"/>
+            <a:ext cx="2734324" cy="452761"/>
+          </a:xfrm>
+          <a:prstGeom prst="roundRect">
+            <a:avLst/>
+          </a:prstGeom>
+        </p:spPr>
+        <p:style>
+          <a:lnRef idx="2">
+            <a:schemeClr val="dk1"/>
+          </a:lnRef>
+          <a:fillRef idx="1">
+            <a:schemeClr val="lt1"/>
+          </a:fillRef>
+          <a:effectRef idx="0">
+            <a:schemeClr val="dk1"/>
+          </a:effectRef>
+          <a:fontRef idx="minor">
+            <a:schemeClr val="dk1"/>
+          </a:fontRef>
+        </p:style>
+        <p:txBody>
+          <a:bodyPr rtlCol="0" anchor="ctr"/>
+          <a:lstStyle/>
+          <a:p>
+            <a:r>
+              <a:rPr lang="ko-KR" altLang="en-US" dirty="0"/>
+              <a:t>제목을 입력하세요</a:t>
+            </a:r>
+          </a:p>
+        </p:txBody>
+      </p:sp>
+      <p:sp>
+        <p:nvSpPr>
+          <p:cNvPr id="10" name="사각형: 둥근 모서리 9">
+            <a:extLst>
+              <a:ext uri="{FF2B5EF4-FFF2-40B4-BE49-F238E27FC236}">
+                <a16:creationId xmlns:a16="http://schemas.microsoft.com/office/drawing/2014/main" id="{BD59CFF6-6288-13EF-5828-1C726B8C5F67}"/>
+              </a:ext>
+            </a:extLst>
+          </p:cNvPr>
+          <p:cNvSpPr/>
+          <p:nvPr/>
+        </p:nvSpPr>
+        <p:spPr>
+          <a:xfrm>
+            <a:off x="5998341" y="5819997"/>
+            <a:ext cx="1063841" cy="452761"/>
+          </a:xfrm>
+          <a:prstGeom prst="roundRect">
+            <a:avLst/>
+          </a:prstGeom>
+        </p:spPr>
+        <p:style>
+          <a:lnRef idx="2">
+            <a:schemeClr val="dk1"/>
+          </a:lnRef>
+          <a:fillRef idx="1">
+            <a:schemeClr val="lt1"/>
+          </a:fillRef>
+          <a:effectRef idx="0">
+            <a:schemeClr val="dk1"/>
+          </a:effectRef>
+          <a:fontRef idx="minor">
+            <a:schemeClr val="dk1"/>
+          </a:fontRef>
+        </p:style>
+        <p:txBody>
+          <a:bodyPr rtlCol="0" anchor="ctr"/>
+          <a:lstStyle/>
+          <a:p>
+            <a:pPr algn="ctr"/>
+            <a:r>
+              <a:rPr lang="en-US" altLang="ko-KR" dirty="0"/>
+              <a:t>search</a:t>
+            </a:r>
+            <a:endParaRPr lang="ko-KR" altLang="en-US" dirty="0"/>
+          </a:p>
+        </p:txBody>
+      </p:sp>
+      <p:grpSp>
+        <p:nvGrpSpPr>
+          <p:cNvPr id="11" name="그룹 10">
+            <a:extLst>
+              <a:ext uri="{FF2B5EF4-FFF2-40B4-BE49-F238E27FC236}">
+                <a16:creationId xmlns:a16="http://schemas.microsoft.com/office/drawing/2014/main" id="{4F08E040-293C-F441-9492-A9C07829AA45}"/>
+              </a:ext>
+            </a:extLst>
+          </p:cNvPr>
+          <p:cNvGrpSpPr/>
+          <p:nvPr/>
+        </p:nvGrpSpPr>
+        <p:grpSpPr>
+          <a:xfrm>
+            <a:off x="1735528" y="1571947"/>
+            <a:ext cx="328179" cy="340725"/>
+            <a:chOff x="1644650" y="1138825"/>
+            <a:chExt cx="328179" cy="340725"/>
+          </a:xfrm>
+        </p:grpSpPr>
+        <p:sp>
+          <p:nvSpPr>
+            <p:cNvPr id="12" name="타원 11">
+              <a:extLst>
+                <a:ext uri="{FF2B5EF4-FFF2-40B4-BE49-F238E27FC236}">
+                  <a16:creationId xmlns:a16="http://schemas.microsoft.com/office/drawing/2014/main" id="{7E4FFCB8-A56F-6FDA-0979-47FE8B026DAA}"/>
+                </a:ext>
+              </a:extLst>
+            </p:cNvPr>
+            <p:cNvSpPr/>
+            <p:nvPr/>
+          </p:nvSpPr>
+          <p:spPr>
+            <a:xfrm>
+              <a:off x="1644650" y="1143000"/>
+              <a:ext cx="328179" cy="336550"/>
+            </a:xfrm>
+            <a:prstGeom prst="ellipse">
+              <a:avLst/>
+            </a:prstGeom>
+            <a:solidFill>
+              <a:srgbClr val="FFFF00"/>
+            </a:solidFill>
+            <a:ln w="28575">
+              <a:solidFill>
+                <a:srgbClr val="FF0000"/>
+              </a:solidFill>
+            </a:ln>
+          </p:spPr>
+          <p:style>
+            <a:lnRef idx="2">
+              <a:schemeClr val="accent1">
+                <a:shade val="50000"/>
+              </a:schemeClr>
+            </a:lnRef>
+            <a:fillRef idx="1">
+              <a:schemeClr val="accent1"/>
+            </a:fillRef>
+            <a:effectRef idx="0">
+              <a:schemeClr val="accent1"/>
+            </a:effectRef>
+            <a:fontRef idx="minor">
+              <a:schemeClr val="lt1"/>
+            </a:fontRef>
+          </p:style>
+          <p:txBody>
+            <a:bodyPr rtlCol="0" anchor="ctr"/>
+            <a:lstStyle/>
+            <a:p>
+              <a:pPr algn="ctr"/>
+              <a:endParaRPr lang="ko-KR" altLang="en-US" dirty="0"/>
+            </a:p>
+          </p:txBody>
+        </p:sp>
+        <p:sp>
+          <p:nvSpPr>
+            <p:cNvPr id="13" name="TextBox 12">
+              <a:extLst>
+                <a:ext uri="{FF2B5EF4-FFF2-40B4-BE49-F238E27FC236}">
+                  <a16:creationId xmlns:a16="http://schemas.microsoft.com/office/drawing/2014/main" id="{7845A544-DEED-1BE3-288D-BAA0C3B91AA4}"/>
+                </a:ext>
+              </a:extLst>
+            </p:cNvPr>
+            <p:cNvSpPr txBox="1"/>
+            <p:nvPr/>
+          </p:nvSpPr>
+          <p:spPr>
+            <a:xfrm>
+              <a:off x="1662675" y="1138825"/>
+              <a:ext cx="298480" cy="338554"/>
+            </a:xfrm>
+            <a:prstGeom prst="rect">
+              <a:avLst/>
+            </a:prstGeom>
+            <a:noFill/>
+          </p:spPr>
+          <p:txBody>
+            <a:bodyPr wrap="none" rtlCol="0">
+              <a:spAutoFit/>
+            </a:bodyPr>
+            <a:lstStyle/>
+            <a:p>
+              <a:r>
+                <a:rPr lang="en-US" altLang="ko-KR" sz="1600" dirty="0"/>
+                <a:t>1</a:t>
+              </a:r>
+              <a:endParaRPr lang="ko-KR" altLang="en-US" sz="1600" dirty="0"/>
+            </a:p>
+          </p:txBody>
+        </p:sp>
+      </p:grpSp>
+      <p:grpSp>
+        <p:nvGrpSpPr>
+          <p:cNvPr id="14" name="그룹 13">
+            <a:extLst>
+              <a:ext uri="{FF2B5EF4-FFF2-40B4-BE49-F238E27FC236}">
+                <a16:creationId xmlns:a16="http://schemas.microsoft.com/office/drawing/2014/main" id="{B2B72BA0-DD6C-3A31-5723-C52B265BB3FF}"/>
+              </a:ext>
+            </a:extLst>
+          </p:cNvPr>
+          <p:cNvGrpSpPr/>
+          <p:nvPr/>
+        </p:nvGrpSpPr>
+        <p:grpSpPr>
+          <a:xfrm>
+            <a:off x="6734003" y="1613354"/>
+            <a:ext cx="328179" cy="340725"/>
+            <a:chOff x="1644650" y="1138825"/>
+            <a:chExt cx="328179" cy="340725"/>
+          </a:xfrm>
+        </p:grpSpPr>
+        <p:sp>
+          <p:nvSpPr>
+            <p:cNvPr id="15" name="타원 14">
+              <a:extLst>
+                <a:ext uri="{FF2B5EF4-FFF2-40B4-BE49-F238E27FC236}">
+                  <a16:creationId xmlns:a16="http://schemas.microsoft.com/office/drawing/2014/main" id="{EE5E2FD5-994B-D331-55C2-C5BD40739D60}"/>
+                </a:ext>
+              </a:extLst>
+            </p:cNvPr>
+            <p:cNvSpPr/>
+            <p:nvPr/>
+          </p:nvSpPr>
+          <p:spPr>
+            <a:xfrm>
+              <a:off x="1644650" y="1143000"/>
+              <a:ext cx="328179" cy="336550"/>
+            </a:xfrm>
+            <a:prstGeom prst="ellipse">
+              <a:avLst/>
+            </a:prstGeom>
+            <a:solidFill>
+              <a:srgbClr val="FFFF00"/>
+            </a:solidFill>
+            <a:ln w="28575">
+              <a:solidFill>
+                <a:srgbClr val="FF0000"/>
+              </a:solidFill>
+            </a:ln>
+          </p:spPr>
+          <p:style>
+            <a:lnRef idx="2">
+              <a:schemeClr val="accent1">
+                <a:shade val="50000"/>
+              </a:schemeClr>
+            </a:lnRef>
+            <a:fillRef idx="1">
+              <a:schemeClr val="accent1"/>
+            </a:fillRef>
+            <a:effectRef idx="0">
+              <a:schemeClr val="accent1"/>
+            </a:effectRef>
+            <a:fontRef idx="minor">
+              <a:schemeClr val="lt1"/>
+            </a:fontRef>
+          </p:style>
+          <p:txBody>
+            <a:bodyPr rtlCol="0" anchor="ctr"/>
+            <a:lstStyle/>
+            <a:p>
+              <a:pPr algn="ctr"/>
+              <a:endParaRPr lang="ko-KR" altLang="en-US" dirty="0"/>
+            </a:p>
+          </p:txBody>
+        </p:sp>
+        <p:sp>
+          <p:nvSpPr>
+            <p:cNvPr id="16" name="TextBox 15">
+              <a:extLst>
+                <a:ext uri="{FF2B5EF4-FFF2-40B4-BE49-F238E27FC236}">
+                  <a16:creationId xmlns:a16="http://schemas.microsoft.com/office/drawing/2014/main" id="{CC81B92A-E38E-A65F-9EE5-EA99FA37FB93}"/>
+                </a:ext>
+              </a:extLst>
+            </p:cNvPr>
+            <p:cNvSpPr txBox="1"/>
+            <p:nvPr/>
+          </p:nvSpPr>
+          <p:spPr>
+            <a:xfrm>
+              <a:off x="1662675" y="1138825"/>
+              <a:ext cx="298480" cy="338554"/>
+            </a:xfrm>
+            <a:prstGeom prst="rect">
+              <a:avLst/>
+            </a:prstGeom>
+            <a:noFill/>
+          </p:spPr>
+          <p:txBody>
+            <a:bodyPr wrap="none" rtlCol="0">
+              <a:spAutoFit/>
+            </a:bodyPr>
+            <a:lstStyle/>
+            <a:p>
+              <a:r>
+                <a:rPr lang="en-US" altLang="ko-KR" sz="1600" dirty="0"/>
+                <a:t>2</a:t>
+              </a:r>
+              <a:endParaRPr lang="ko-KR" altLang="en-US" sz="1600" dirty="0"/>
+            </a:p>
+          </p:txBody>
+        </p:sp>
+      </p:grpSp>
+      <p:grpSp>
+        <p:nvGrpSpPr>
+          <p:cNvPr id="17" name="그룹 16">
+            <a:extLst>
+              <a:ext uri="{FF2B5EF4-FFF2-40B4-BE49-F238E27FC236}">
+                <a16:creationId xmlns:a16="http://schemas.microsoft.com/office/drawing/2014/main" id="{3231EDE6-0410-BDA8-F535-FD8ACDCAB992}"/>
+              </a:ext>
+            </a:extLst>
+          </p:cNvPr>
+          <p:cNvGrpSpPr/>
+          <p:nvPr/>
+        </p:nvGrpSpPr>
+        <p:grpSpPr>
+          <a:xfrm>
+            <a:off x="1735527" y="2318042"/>
+            <a:ext cx="328179" cy="340725"/>
+            <a:chOff x="1644650" y="1138825"/>
+            <a:chExt cx="328179" cy="340725"/>
+          </a:xfrm>
+        </p:grpSpPr>
+        <p:sp>
+          <p:nvSpPr>
+            <p:cNvPr id="18" name="타원 17">
+              <a:extLst>
+                <a:ext uri="{FF2B5EF4-FFF2-40B4-BE49-F238E27FC236}">
+                  <a16:creationId xmlns:a16="http://schemas.microsoft.com/office/drawing/2014/main" id="{4B6CB174-1BBA-FADA-5CC4-6CBECB09AE98}"/>
+                </a:ext>
+              </a:extLst>
+            </p:cNvPr>
+            <p:cNvSpPr/>
+            <p:nvPr/>
+          </p:nvSpPr>
+          <p:spPr>
+            <a:xfrm>
+              <a:off x="1644650" y="1143000"/>
+              <a:ext cx="328179" cy="336550"/>
+            </a:xfrm>
+            <a:prstGeom prst="ellipse">
+              <a:avLst/>
+            </a:prstGeom>
+            <a:solidFill>
+              <a:srgbClr val="FFFF00"/>
+            </a:solidFill>
+            <a:ln w="28575">
+              <a:solidFill>
+                <a:srgbClr val="FF0000"/>
+              </a:solidFill>
+            </a:ln>
+          </p:spPr>
+          <p:style>
+            <a:lnRef idx="2">
+              <a:schemeClr val="accent1">
+                <a:shade val="50000"/>
+              </a:schemeClr>
+            </a:lnRef>
+            <a:fillRef idx="1">
+              <a:schemeClr val="accent1"/>
+            </a:fillRef>
+            <a:effectRef idx="0">
+              <a:schemeClr val="accent1"/>
+            </a:effectRef>
+            <a:fontRef idx="minor">
+              <a:schemeClr val="lt1"/>
+            </a:fontRef>
+          </p:style>
+          <p:txBody>
+            <a:bodyPr rtlCol="0" anchor="ctr"/>
+            <a:lstStyle/>
+            <a:p>
+              <a:pPr algn="ctr"/>
+              <a:endParaRPr lang="ko-KR" altLang="en-US" dirty="0"/>
+            </a:p>
+          </p:txBody>
+        </p:sp>
+        <p:sp>
+          <p:nvSpPr>
+            <p:cNvPr id="19" name="TextBox 18">
+              <a:extLst>
+                <a:ext uri="{FF2B5EF4-FFF2-40B4-BE49-F238E27FC236}">
+                  <a16:creationId xmlns:a16="http://schemas.microsoft.com/office/drawing/2014/main" id="{183E495E-24A0-E7C0-958E-EE401F1A0E34}"/>
+                </a:ext>
+              </a:extLst>
+            </p:cNvPr>
+            <p:cNvSpPr txBox="1"/>
+            <p:nvPr/>
+          </p:nvSpPr>
+          <p:spPr>
+            <a:xfrm>
+              <a:off x="1662675" y="1138825"/>
+              <a:ext cx="298480" cy="338554"/>
+            </a:xfrm>
+            <a:prstGeom prst="rect">
+              <a:avLst/>
+            </a:prstGeom>
+            <a:noFill/>
+          </p:spPr>
+          <p:txBody>
+            <a:bodyPr wrap="none" rtlCol="0">
+              <a:spAutoFit/>
+            </a:bodyPr>
+            <a:lstStyle/>
+            <a:p>
+              <a:r>
+                <a:rPr lang="en-US" altLang="ko-KR" sz="1600" dirty="0"/>
+                <a:t>3</a:t>
+              </a:r>
+              <a:endParaRPr lang="ko-KR" altLang="en-US" sz="1600" dirty="0"/>
+            </a:p>
+          </p:txBody>
+        </p:sp>
+      </p:grpSp>
+      <p:grpSp>
+        <p:nvGrpSpPr>
+          <p:cNvPr id="23" name="그룹 22">
+            <a:extLst>
+              <a:ext uri="{FF2B5EF4-FFF2-40B4-BE49-F238E27FC236}">
+                <a16:creationId xmlns:a16="http://schemas.microsoft.com/office/drawing/2014/main" id="{22AAED6A-4966-ABE1-D305-C4278CBCC0BA}"/>
+              </a:ext>
+            </a:extLst>
+          </p:cNvPr>
+          <p:cNvGrpSpPr/>
+          <p:nvPr/>
+        </p:nvGrpSpPr>
+        <p:grpSpPr>
+          <a:xfrm>
+            <a:off x="3058502" y="5649634"/>
+            <a:ext cx="328179" cy="340725"/>
+            <a:chOff x="1644650" y="1138825"/>
+            <a:chExt cx="328179" cy="340725"/>
+          </a:xfrm>
+        </p:grpSpPr>
+        <p:sp>
+          <p:nvSpPr>
+            <p:cNvPr id="24" name="타원 23">
+              <a:extLst>
+                <a:ext uri="{FF2B5EF4-FFF2-40B4-BE49-F238E27FC236}">
+                  <a16:creationId xmlns:a16="http://schemas.microsoft.com/office/drawing/2014/main" id="{B1F819CC-BC36-DCB4-5D14-EF42CDE5E2D4}"/>
+                </a:ext>
+              </a:extLst>
+            </p:cNvPr>
+            <p:cNvSpPr/>
+            <p:nvPr/>
+          </p:nvSpPr>
+          <p:spPr>
+            <a:xfrm>
+              <a:off x="1644650" y="1143000"/>
+              <a:ext cx="328179" cy="336550"/>
+            </a:xfrm>
+            <a:prstGeom prst="ellipse">
+              <a:avLst/>
+            </a:prstGeom>
+            <a:solidFill>
+              <a:srgbClr val="FFFF00"/>
+            </a:solidFill>
+            <a:ln w="28575">
+              <a:solidFill>
+                <a:srgbClr val="FF0000"/>
+              </a:solidFill>
+            </a:ln>
+          </p:spPr>
+          <p:style>
+            <a:lnRef idx="2">
+              <a:schemeClr val="accent1">
+                <a:shade val="50000"/>
+              </a:schemeClr>
+            </a:lnRef>
+            <a:fillRef idx="1">
+              <a:schemeClr val="accent1"/>
+            </a:fillRef>
+            <a:effectRef idx="0">
+              <a:schemeClr val="accent1"/>
+            </a:effectRef>
+            <a:fontRef idx="minor">
+              <a:schemeClr val="lt1"/>
+            </a:fontRef>
+          </p:style>
+          <p:txBody>
+            <a:bodyPr rtlCol="0" anchor="ctr"/>
+            <a:lstStyle/>
+            <a:p>
+              <a:pPr algn="ctr"/>
+              <a:endParaRPr lang="ko-KR" altLang="en-US" dirty="0"/>
+            </a:p>
+          </p:txBody>
+        </p:sp>
+        <p:sp>
+          <p:nvSpPr>
+            <p:cNvPr id="25" name="TextBox 24">
+              <a:extLst>
+                <a:ext uri="{FF2B5EF4-FFF2-40B4-BE49-F238E27FC236}">
+                  <a16:creationId xmlns:a16="http://schemas.microsoft.com/office/drawing/2014/main" id="{1CAEB267-D8DC-6A53-D466-4C916BB09A80}"/>
+                </a:ext>
+              </a:extLst>
+            </p:cNvPr>
+            <p:cNvSpPr txBox="1"/>
+            <p:nvPr/>
+          </p:nvSpPr>
+          <p:spPr>
+            <a:xfrm>
+              <a:off x="1662675" y="1138825"/>
+              <a:ext cx="298480" cy="338554"/>
+            </a:xfrm>
+            <a:prstGeom prst="rect">
+              <a:avLst/>
+            </a:prstGeom>
+            <a:noFill/>
+          </p:spPr>
+          <p:txBody>
+            <a:bodyPr wrap="none" rtlCol="0">
+              <a:spAutoFit/>
+            </a:bodyPr>
+            <a:lstStyle/>
+            <a:p>
+              <a:r>
+                <a:rPr lang="en-US" altLang="ko-KR" sz="1600" dirty="0"/>
+                <a:t>4</a:t>
+              </a:r>
+              <a:endParaRPr lang="ko-KR" altLang="en-US" sz="1600" dirty="0"/>
+            </a:p>
+          </p:txBody>
+        </p:sp>
+      </p:grpSp>
+      <p:grpSp>
+        <p:nvGrpSpPr>
+          <p:cNvPr id="26" name="그룹 25">
+            <a:extLst>
+              <a:ext uri="{FF2B5EF4-FFF2-40B4-BE49-F238E27FC236}">
+                <a16:creationId xmlns:a16="http://schemas.microsoft.com/office/drawing/2014/main" id="{E24773AF-01F8-3567-0C57-ED9A9F328DE7}"/>
+              </a:ext>
+            </a:extLst>
+          </p:cNvPr>
+          <p:cNvGrpSpPr/>
+          <p:nvPr/>
+        </p:nvGrpSpPr>
+        <p:grpSpPr>
+          <a:xfrm>
+            <a:off x="5861138" y="5656598"/>
+            <a:ext cx="328179" cy="340725"/>
+            <a:chOff x="1644650" y="1138825"/>
+            <a:chExt cx="328179" cy="340725"/>
+          </a:xfrm>
+        </p:grpSpPr>
+        <p:sp>
+          <p:nvSpPr>
+            <p:cNvPr id="28" name="타원 27">
+              <a:extLst>
+                <a:ext uri="{FF2B5EF4-FFF2-40B4-BE49-F238E27FC236}">
+                  <a16:creationId xmlns:a16="http://schemas.microsoft.com/office/drawing/2014/main" id="{59E99FC0-162A-4F6E-769E-724EC7C5BE1A}"/>
+                </a:ext>
+              </a:extLst>
+            </p:cNvPr>
+            <p:cNvSpPr/>
+            <p:nvPr/>
+          </p:nvSpPr>
+          <p:spPr>
+            <a:xfrm>
+              <a:off x="1644650" y="1143000"/>
+              <a:ext cx="328179" cy="336550"/>
+            </a:xfrm>
+            <a:prstGeom prst="ellipse">
+              <a:avLst/>
+            </a:prstGeom>
+            <a:solidFill>
+              <a:srgbClr val="FFFF00"/>
+            </a:solidFill>
+            <a:ln w="28575">
+              <a:solidFill>
+                <a:srgbClr val="FF0000"/>
+              </a:solidFill>
+            </a:ln>
+          </p:spPr>
+          <p:style>
+            <a:lnRef idx="2">
+              <a:schemeClr val="accent1">
+                <a:shade val="50000"/>
+              </a:schemeClr>
+            </a:lnRef>
+            <a:fillRef idx="1">
+              <a:schemeClr val="accent1"/>
+            </a:fillRef>
+            <a:effectRef idx="0">
+              <a:schemeClr val="accent1"/>
+            </a:effectRef>
+            <a:fontRef idx="minor">
+              <a:schemeClr val="lt1"/>
+            </a:fontRef>
+          </p:style>
+          <p:txBody>
+            <a:bodyPr rtlCol="0" anchor="ctr"/>
+            <a:lstStyle/>
+            <a:p>
+              <a:pPr algn="ctr"/>
+              <a:endParaRPr lang="ko-KR" altLang="en-US" dirty="0"/>
+            </a:p>
+          </p:txBody>
+        </p:sp>
+        <p:sp>
+          <p:nvSpPr>
+            <p:cNvPr id="29" name="TextBox 28">
+              <a:extLst>
+                <a:ext uri="{FF2B5EF4-FFF2-40B4-BE49-F238E27FC236}">
+                  <a16:creationId xmlns:a16="http://schemas.microsoft.com/office/drawing/2014/main" id="{9A5EAA95-12F9-7E12-FAB7-7FBEFF833ED1}"/>
+                </a:ext>
+              </a:extLst>
+            </p:cNvPr>
+            <p:cNvSpPr txBox="1"/>
+            <p:nvPr/>
+          </p:nvSpPr>
+          <p:spPr>
+            <a:xfrm>
+              <a:off x="1662675" y="1138825"/>
+              <a:ext cx="298480" cy="338554"/>
+            </a:xfrm>
+            <a:prstGeom prst="rect">
+              <a:avLst/>
+            </a:prstGeom>
+            <a:noFill/>
+          </p:spPr>
+          <p:txBody>
+            <a:bodyPr wrap="none" rtlCol="0">
+              <a:spAutoFit/>
+            </a:bodyPr>
+            <a:lstStyle/>
+            <a:p>
+              <a:r>
+                <a:rPr lang="en-US" altLang="ko-KR" sz="1600" dirty="0"/>
+                <a:t>5</a:t>
+              </a:r>
+              <a:endParaRPr lang="ko-KR" altLang="en-US" sz="1600" dirty="0"/>
+            </a:p>
+          </p:txBody>
+        </p:sp>
+      </p:grpSp>
     </p:spTree>
     <p:extLst>
       <p:ext uri="{BB962C8B-B14F-4D97-AF65-F5344CB8AC3E}">
@@ -5227,6 +6436,1047 @@
           <a:chExt cx="0" cy="0"/>
         </a:xfrm>
       </p:grpSpPr>
+      <p:pic>
+        <p:nvPicPr>
+          <p:cNvPr id="2" name="그림 1" descr="텍스트이(가) 표시된 사진&#10;&#10;자동 생성된 설명">
+            <a:extLst>
+              <a:ext uri="{FF2B5EF4-FFF2-40B4-BE49-F238E27FC236}">
+                <a16:creationId xmlns:a16="http://schemas.microsoft.com/office/drawing/2014/main" id="{6A7CFBD1-292D-3ACA-040A-51789B05AE73}"/>
+              </a:ext>
+            </a:extLst>
+          </p:cNvPr>
+          <p:cNvPicPr>
+            <a:picLocks noChangeAspect="1"/>
+          </p:cNvPicPr>
+          <p:nvPr/>
+        </p:nvPicPr>
+        <p:blipFill>
+          <a:blip r:embed="rId2">
+            <a:extLst>
+              <a:ext uri="{28A0092B-C50C-407E-A947-70E740481C1C}">
+                <a14:useLocalDpi xmlns:a14="http://schemas.microsoft.com/office/drawing/2010/main" val="0"/>
+              </a:ext>
+            </a:extLst>
+          </a:blip>
+          <a:stretch>
+            <a:fillRect/>
+          </a:stretch>
+        </p:blipFill>
+        <p:spPr>
+          <a:xfrm>
+            <a:off x="1355514" y="1220736"/>
+            <a:ext cx="7229194" cy="5137373"/>
+          </a:xfrm>
+          <a:prstGeom prst="rect">
+            <a:avLst/>
+          </a:prstGeom>
+        </p:spPr>
+      </p:pic>
+      <p:grpSp>
+        <p:nvGrpSpPr>
+          <p:cNvPr id="3" name="그룹 2">
+            <a:extLst>
+              <a:ext uri="{FF2B5EF4-FFF2-40B4-BE49-F238E27FC236}">
+                <a16:creationId xmlns:a16="http://schemas.microsoft.com/office/drawing/2014/main" id="{05EA86AA-808D-5F75-AC2C-5B9F75015E1C}"/>
+              </a:ext>
+            </a:extLst>
+          </p:cNvPr>
+          <p:cNvGrpSpPr/>
+          <p:nvPr/>
+        </p:nvGrpSpPr>
+        <p:grpSpPr>
+          <a:xfrm>
+            <a:off x="5189144" y="1097765"/>
+            <a:ext cx="328179" cy="340725"/>
+            <a:chOff x="1644650" y="1138825"/>
+            <a:chExt cx="328179" cy="340725"/>
+          </a:xfrm>
+        </p:grpSpPr>
+        <p:sp>
+          <p:nvSpPr>
+            <p:cNvPr id="4" name="타원 3">
+              <a:extLst>
+                <a:ext uri="{FF2B5EF4-FFF2-40B4-BE49-F238E27FC236}">
+                  <a16:creationId xmlns:a16="http://schemas.microsoft.com/office/drawing/2014/main" id="{AB88751A-C137-1AA9-8CB6-1A37077E4B6A}"/>
+                </a:ext>
+              </a:extLst>
+            </p:cNvPr>
+            <p:cNvSpPr/>
+            <p:nvPr/>
+          </p:nvSpPr>
+          <p:spPr>
+            <a:xfrm>
+              <a:off x="1644650" y="1143000"/>
+              <a:ext cx="328179" cy="336550"/>
+            </a:xfrm>
+            <a:prstGeom prst="ellipse">
+              <a:avLst/>
+            </a:prstGeom>
+            <a:solidFill>
+              <a:srgbClr val="FFFF00"/>
+            </a:solidFill>
+            <a:ln w="28575">
+              <a:solidFill>
+                <a:srgbClr val="FF0000"/>
+              </a:solidFill>
+            </a:ln>
+          </p:spPr>
+          <p:style>
+            <a:lnRef idx="2">
+              <a:schemeClr val="accent1">
+                <a:shade val="50000"/>
+              </a:schemeClr>
+            </a:lnRef>
+            <a:fillRef idx="1">
+              <a:schemeClr val="accent1"/>
+            </a:fillRef>
+            <a:effectRef idx="0">
+              <a:schemeClr val="accent1"/>
+            </a:effectRef>
+            <a:fontRef idx="minor">
+              <a:schemeClr val="lt1"/>
+            </a:fontRef>
+          </p:style>
+          <p:txBody>
+            <a:bodyPr rtlCol="0" anchor="ctr"/>
+            <a:lstStyle/>
+            <a:p>
+              <a:pPr algn="ctr"/>
+              <a:endParaRPr lang="ko-KR" altLang="en-US" dirty="0"/>
+            </a:p>
+          </p:txBody>
+        </p:sp>
+        <p:sp>
+          <p:nvSpPr>
+            <p:cNvPr id="5" name="TextBox 4">
+              <a:extLst>
+                <a:ext uri="{FF2B5EF4-FFF2-40B4-BE49-F238E27FC236}">
+                  <a16:creationId xmlns:a16="http://schemas.microsoft.com/office/drawing/2014/main" id="{C3EFBE04-74E4-DECF-AF42-DF6BE52EEC68}"/>
+                </a:ext>
+              </a:extLst>
+            </p:cNvPr>
+            <p:cNvSpPr txBox="1"/>
+            <p:nvPr/>
+          </p:nvSpPr>
+          <p:spPr>
+            <a:xfrm>
+              <a:off x="1662675" y="1138825"/>
+              <a:ext cx="298480" cy="338554"/>
+            </a:xfrm>
+            <a:prstGeom prst="rect">
+              <a:avLst/>
+            </a:prstGeom>
+            <a:noFill/>
+          </p:spPr>
+          <p:txBody>
+            <a:bodyPr wrap="none" rtlCol="0">
+              <a:spAutoFit/>
+            </a:bodyPr>
+            <a:lstStyle/>
+            <a:p>
+              <a:r>
+                <a:rPr lang="en-US" altLang="ko-KR" sz="1600" dirty="0"/>
+                <a:t>1</a:t>
+              </a:r>
+              <a:endParaRPr lang="ko-KR" altLang="en-US" sz="1600" dirty="0"/>
+            </a:p>
+          </p:txBody>
+        </p:sp>
+      </p:grpSp>
+      <p:grpSp>
+        <p:nvGrpSpPr>
+          <p:cNvPr id="6" name="그룹 5">
+            <a:extLst>
+              <a:ext uri="{FF2B5EF4-FFF2-40B4-BE49-F238E27FC236}">
+                <a16:creationId xmlns:a16="http://schemas.microsoft.com/office/drawing/2014/main" id="{CA83A676-1514-12D0-2D1C-0FF9739F0239}"/>
+              </a:ext>
+            </a:extLst>
+          </p:cNvPr>
+          <p:cNvGrpSpPr/>
+          <p:nvPr/>
+        </p:nvGrpSpPr>
+        <p:grpSpPr>
+          <a:xfrm>
+            <a:off x="6388351" y="1097765"/>
+            <a:ext cx="328179" cy="340725"/>
+            <a:chOff x="1644650" y="1138825"/>
+            <a:chExt cx="328179" cy="340725"/>
+          </a:xfrm>
+        </p:grpSpPr>
+        <p:sp>
+          <p:nvSpPr>
+            <p:cNvPr id="7" name="타원 6">
+              <a:extLst>
+                <a:ext uri="{FF2B5EF4-FFF2-40B4-BE49-F238E27FC236}">
+                  <a16:creationId xmlns:a16="http://schemas.microsoft.com/office/drawing/2014/main" id="{7730CA70-DB61-5A01-AC00-C591F8898836}"/>
+                </a:ext>
+              </a:extLst>
+            </p:cNvPr>
+            <p:cNvSpPr/>
+            <p:nvPr/>
+          </p:nvSpPr>
+          <p:spPr>
+            <a:xfrm>
+              <a:off x="1644650" y="1143000"/>
+              <a:ext cx="328179" cy="336550"/>
+            </a:xfrm>
+            <a:prstGeom prst="ellipse">
+              <a:avLst/>
+            </a:prstGeom>
+            <a:solidFill>
+              <a:srgbClr val="FFFF00"/>
+            </a:solidFill>
+            <a:ln w="28575">
+              <a:solidFill>
+                <a:srgbClr val="FF0000"/>
+              </a:solidFill>
+            </a:ln>
+          </p:spPr>
+          <p:style>
+            <a:lnRef idx="2">
+              <a:schemeClr val="accent1">
+                <a:shade val="50000"/>
+              </a:schemeClr>
+            </a:lnRef>
+            <a:fillRef idx="1">
+              <a:schemeClr val="accent1"/>
+            </a:fillRef>
+            <a:effectRef idx="0">
+              <a:schemeClr val="accent1"/>
+            </a:effectRef>
+            <a:fontRef idx="minor">
+              <a:schemeClr val="lt1"/>
+            </a:fontRef>
+          </p:style>
+          <p:txBody>
+            <a:bodyPr rtlCol="0" anchor="ctr"/>
+            <a:lstStyle/>
+            <a:p>
+              <a:pPr algn="ctr"/>
+              <a:endParaRPr lang="ko-KR" altLang="en-US" dirty="0"/>
+            </a:p>
+          </p:txBody>
+        </p:sp>
+        <p:sp>
+          <p:nvSpPr>
+            <p:cNvPr id="8" name="TextBox 7">
+              <a:extLst>
+                <a:ext uri="{FF2B5EF4-FFF2-40B4-BE49-F238E27FC236}">
+                  <a16:creationId xmlns:a16="http://schemas.microsoft.com/office/drawing/2014/main" id="{ABA243D7-0D34-E5B2-2175-8532E3818E30}"/>
+                </a:ext>
+              </a:extLst>
+            </p:cNvPr>
+            <p:cNvSpPr txBox="1"/>
+            <p:nvPr/>
+          </p:nvSpPr>
+          <p:spPr>
+            <a:xfrm>
+              <a:off x="1662675" y="1138825"/>
+              <a:ext cx="298480" cy="338554"/>
+            </a:xfrm>
+            <a:prstGeom prst="rect">
+              <a:avLst/>
+            </a:prstGeom>
+            <a:noFill/>
+          </p:spPr>
+          <p:txBody>
+            <a:bodyPr wrap="none" rtlCol="0">
+              <a:spAutoFit/>
+            </a:bodyPr>
+            <a:lstStyle/>
+            <a:p>
+              <a:r>
+                <a:rPr lang="en-US" altLang="ko-KR" sz="1600" dirty="0"/>
+                <a:t>2</a:t>
+              </a:r>
+              <a:endParaRPr lang="ko-KR" altLang="en-US" sz="1600" dirty="0"/>
+            </a:p>
+          </p:txBody>
+        </p:sp>
+      </p:grpSp>
+      <p:grpSp>
+        <p:nvGrpSpPr>
+          <p:cNvPr id="9" name="그룹 8">
+            <a:extLst>
+              <a:ext uri="{FF2B5EF4-FFF2-40B4-BE49-F238E27FC236}">
+                <a16:creationId xmlns:a16="http://schemas.microsoft.com/office/drawing/2014/main" id="{9A47E3B9-070F-E70D-D83C-A6849BAA5CE9}"/>
+              </a:ext>
+            </a:extLst>
+          </p:cNvPr>
+          <p:cNvGrpSpPr/>
+          <p:nvPr/>
+        </p:nvGrpSpPr>
+        <p:grpSpPr>
+          <a:xfrm>
+            <a:off x="7423468" y="1097765"/>
+            <a:ext cx="328179" cy="340725"/>
+            <a:chOff x="1644650" y="1138825"/>
+            <a:chExt cx="328179" cy="340725"/>
+          </a:xfrm>
+        </p:grpSpPr>
+        <p:sp>
+          <p:nvSpPr>
+            <p:cNvPr id="10" name="타원 9">
+              <a:extLst>
+                <a:ext uri="{FF2B5EF4-FFF2-40B4-BE49-F238E27FC236}">
+                  <a16:creationId xmlns:a16="http://schemas.microsoft.com/office/drawing/2014/main" id="{B1B74999-178E-AC6A-D463-AA85B10808BD}"/>
+                </a:ext>
+              </a:extLst>
+            </p:cNvPr>
+            <p:cNvSpPr/>
+            <p:nvPr/>
+          </p:nvSpPr>
+          <p:spPr>
+            <a:xfrm>
+              <a:off x="1644650" y="1143000"/>
+              <a:ext cx="328179" cy="336550"/>
+            </a:xfrm>
+            <a:prstGeom prst="ellipse">
+              <a:avLst/>
+            </a:prstGeom>
+            <a:solidFill>
+              <a:srgbClr val="FFFF00"/>
+            </a:solidFill>
+            <a:ln w="28575">
+              <a:solidFill>
+                <a:srgbClr val="FF0000"/>
+              </a:solidFill>
+            </a:ln>
+          </p:spPr>
+          <p:style>
+            <a:lnRef idx="2">
+              <a:schemeClr val="accent1">
+                <a:shade val="50000"/>
+              </a:schemeClr>
+            </a:lnRef>
+            <a:fillRef idx="1">
+              <a:schemeClr val="accent1"/>
+            </a:fillRef>
+            <a:effectRef idx="0">
+              <a:schemeClr val="accent1"/>
+            </a:effectRef>
+            <a:fontRef idx="minor">
+              <a:schemeClr val="lt1"/>
+            </a:fontRef>
+          </p:style>
+          <p:txBody>
+            <a:bodyPr rtlCol="0" anchor="ctr"/>
+            <a:lstStyle/>
+            <a:p>
+              <a:pPr algn="ctr"/>
+              <a:endParaRPr lang="ko-KR" altLang="en-US" dirty="0"/>
+            </a:p>
+          </p:txBody>
+        </p:sp>
+        <p:sp>
+          <p:nvSpPr>
+            <p:cNvPr id="11" name="TextBox 10">
+              <a:extLst>
+                <a:ext uri="{FF2B5EF4-FFF2-40B4-BE49-F238E27FC236}">
+                  <a16:creationId xmlns:a16="http://schemas.microsoft.com/office/drawing/2014/main" id="{C5D086F5-8C01-D333-5D96-D8C5B5D20246}"/>
+                </a:ext>
+              </a:extLst>
+            </p:cNvPr>
+            <p:cNvSpPr txBox="1"/>
+            <p:nvPr/>
+          </p:nvSpPr>
+          <p:spPr>
+            <a:xfrm>
+              <a:off x="1662675" y="1138825"/>
+              <a:ext cx="298480" cy="338554"/>
+            </a:xfrm>
+            <a:prstGeom prst="rect">
+              <a:avLst/>
+            </a:prstGeom>
+            <a:noFill/>
+          </p:spPr>
+          <p:txBody>
+            <a:bodyPr wrap="none" rtlCol="0">
+              <a:spAutoFit/>
+            </a:bodyPr>
+            <a:lstStyle/>
+            <a:p>
+              <a:r>
+                <a:rPr lang="en-US" altLang="ko-KR" sz="1600" dirty="0"/>
+                <a:t>3</a:t>
+              </a:r>
+              <a:endParaRPr lang="ko-KR" altLang="en-US" sz="1600" dirty="0"/>
+            </a:p>
+          </p:txBody>
+        </p:sp>
+      </p:grpSp>
+      <p:grpSp>
+        <p:nvGrpSpPr>
+          <p:cNvPr id="12" name="그룹 11">
+            <a:extLst>
+              <a:ext uri="{FF2B5EF4-FFF2-40B4-BE49-F238E27FC236}">
+                <a16:creationId xmlns:a16="http://schemas.microsoft.com/office/drawing/2014/main" id="{50B915B8-0A3F-EB11-A2B6-8A3D07B77CCF}"/>
+              </a:ext>
+            </a:extLst>
+          </p:cNvPr>
+          <p:cNvGrpSpPr/>
+          <p:nvPr/>
+        </p:nvGrpSpPr>
+        <p:grpSpPr>
+          <a:xfrm>
+            <a:off x="1191424" y="1507617"/>
+            <a:ext cx="328179" cy="340725"/>
+            <a:chOff x="1644650" y="1138825"/>
+            <a:chExt cx="328179" cy="340725"/>
+          </a:xfrm>
+        </p:grpSpPr>
+        <p:sp>
+          <p:nvSpPr>
+            <p:cNvPr id="13" name="타원 12">
+              <a:extLst>
+                <a:ext uri="{FF2B5EF4-FFF2-40B4-BE49-F238E27FC236}">
+                  <a16:creationId xmlns:a16="http://schemas.microsoft.com/office/drawing/2014/main" id="{E5DB5B2D-4A48-477B-E211-47384F3A62B0}"/>
+                </a:ext>
+              </a:extLst>
+            </p:cNvPr>
+            <p:cNvSpPr/>
+            <p:nvPr/>
+          </p:nvSpPr>
+          <p:spPr>
+            <a:xfrm>
+              <a:off x="1644650" y="1143000"/>
+              <a:ext cx="328179" cy="336550"/>
+            </a:xfrm>
+            <a:prstGeom prst="ellipse">
+              <a:avLst/>
+            </a:prstGeom>
+            <a:solidFill>
+              <a:srgbClr val="FFFF00"/>
+            </a:solidFill>
+            <a:ln w="28575">
+              <a:solidFill>
+                <a:srgbClr val="FF0000"/>
+              </a:solidFill>
+            </a:ln>
+          </p:spPr>
+          <p:style>
+            <a:lnRef idx="2">
+              <a:schemeClr val="accent1">
+                <a:shade val="50000"/>
+              </a:schemeClr>
+            </a:lnRef>
+            <a:fillRef idx="1">
+              <a:schemeClr val="accent1"/>
+            </a:fillRef>
+            <a:effectRef idx="0">
+              <a:schemeClr val="accent1"/>
+            </a:effectRef>
+            <a:fontRef idx="minor">
+              <a:schemeClr val="lt1"/>
+            </a:fontRef>
+          </p:style>
+          <p:txBody>
+            <a:bodyPr rtlCol="0" anchor="ctr"/>
+            <a:lstStyle/>
+            <a:p>
+              <a:pPr algn="ctr"/>
+              <a:endParaRPr lang="ko-KR" altLang="en-US" dirty="0"/>
+            </a:p>
+          </p:txBody>
+        </p:sp>
+        <p:sp>
+          <p:nvSpPr>
+            <p:cNvPr id="14" name="TextBox 13">
+              <a:extLst>
+                <a:ext uri="{FF2B5EF4-FFF2-40B4-BE49-F238E27FC236}">
+                  <a16:creationId xmlns:a16="http://schemas.microsoft.com/office/drawing/2014/main" id="{54E6B3E5-10DF-9D26-8935-914DD984DE5A}"/>
+                </a:ext>
+              </a:extLst>
+            </p:cNvPr>
+            <p:cNvSpPr txBox="1"/>
+            <p:nvPr/>
+          </p:nvSpPr>
+          <p:spPr>
+            <a:xfrm>
+              <a:off x="1662675" y="1138825"/>
+              <a:ext cx="298480" cy="338554"/>
+            </a:xfrm>
+            <a:prstGeom prst="rect">
+              <a:avLst/>
+            </a:prstGeom>
+            <a:noFill/>
+          </p:spPr>
+          <p:txBody>
+            <a:bodyPr wrap="none" rtlCol="0">
+              <a:spAutoFit/>
+            </a:bodyPr>
+            <a:lstStyle/>
+            <a:p>
+              <a:r>
+                <a:rPr lang="en-US" altLang="ko-KR" sz="1600" dirty="0"/>
+                <a:t>4</a:t>
+              </a:r>
+              <a:endParaRPr lang="ko-KR" altLang="en-US" sz="1600" dirty="0"/>
+            </a:p>
+          </p:txBody>
+        </p:sp>
+      </p:grpSp>
+      <p:grpSp>
+        <p:nvGrpSpPr>
+          <p:cNvPr id="15" name="그룹 14">
+            <a:extLst>
+              <a:ext uri="{FF2B5EF4-FFF2-40B4-BE49-F238E27FC236}">
+                <a16:creationId xmlns:a16="http://schemas.microsoft.com/office/drawing/2014/main" id="{B5F13D3B-1343-7393-E8B6-4F667E43C967}"/>
+              </a:ext>
+            </a:extLst>
+          </p:cNvPr>
+          <p:cNvGrpSpPr/>
+          <p:nvPr/>
+        </p:nvGrpSpPr>
+        <p:grpSpPr>
+          <a:xfrm>
+            <a:off x="1179750" y="5346208"/>
+            <a:ext cx="328179" cy="340725"/>
+            <a:chOff x="1644650" y="1138825"/>
+            <a:chExt cx="328179" cy="340725"/>
+          </a:xfrm>
+        </p:grpSpPr>
+        <p:sp>
+          <p:nvSpPr>
+            <p:cNvPr id="16" name="타원 15">
+              <a:extLst>
+                <a:ext uri="{FF2B5EF4-FFF2-40B4-BE49-F238E27FC236}">
+                  <a16:creationId xmlns:a16="http://schemas.microsoft.com/office/drawing/2014/main" id="{9166AB92-2590-CE3B-64EA-8116207CD60D}"/>
+                </a:ext>
+              </a:extLst>
+            </p:cNvPr>
+            <p:cNvSpPr/>
+            <p:nvPr/>
+          </p:nvSpPr>
+          <p:spPr>
+            <a:xfrm>
+              <a:off x="1644650" y="1143000"/>
+              <a:ext cx="328179" cy="336550"/>
+            </a:xfrm>
+            <a:prstGeom prst="ellipse">
+              <a:avLst/>
+            </a:prstGeom>
+            <a:solidFill>
+              <a:srgbClr val="FFFF00"/>
+            </a:solidFill>
+            <a:ln w="28575">
+              <a:solidFill>
+                <a:srgbClr val="FF0000"/>
+              </a:solidFill>
+            </a:ln>
+          </p:spPr>
+          <p:style>
+            <a:lnRef idx="2">
+              <a:schemeClr val="accent1">
+                <a:shade val="50000"/>
+              </a:schemeClr>
+            </a:lnRef>
+            <a:fillRef idx="1">
+              <a:schemeClr val="accent1"/>
+            </a:fillRef>
+            <a:effectRef idx="0">
+              <a:schemeClr val="accent1"/>
+            </a:effectRef>
+            <a:fontRef idx="minor">
+              <a:schemeClr val="lt1"/>
+            </a:fontRef>
+          </p:style>
+          <p:txBody>
+            <a:bodyPr rtlCol="0" anchor="ctr"/>
+            <a:lstStyle/>
+            <a:p>
+              <a:pPr algn="ctr"/>
+              <a:endParaRPr lang="ko-KR" altLang="en-US" dirty="0"/>
+            </a:p>
+          </p:txBody>
+        </p:sp>
+        <p:sp>
+          <p:nvSpPr>
+            <p:cNvPr id="17" name="TextBox 16">
+              <a:extLst>
+                <a:ext uri="{FF2B5EF4-FFF2-40B4-BE49-F238E27FC236}">
+                  <a16:creationId xmlns:a16="http://schemas.microsoft.com/office/drawing/2014/main" id="{0A693877-2A52-3F41-A80B-E44358A91484}"/>
+                </a:ext>
+              </a:extLst>
+            </p:cNvPr>
+            <p:cNvSpPr txBox="1"/>
+            <p:nvPr/>
+          </p:nvSpPr>
+          <p:spPr>
+            <a:xfrm>
+              <a:off x="1662675" y="1138825"/>
+              <a:ext cx="298480" cy="338554"/>
+            </a:xfrm>
+            <a:prstGeom prst="rect">
+              <a:avLst/>
+            </a:prstGeom>
+            <a:noFill/>
+          </p:spPr>
+          <p:txBody>
+            <a:bodyPr wrap="none" rtlCol="0">
+              <a:spAutoFit/>
+            </a:bodyPr>
+            <a:lstStyle/>
+            <a:p>
+              <a:r>
+                <a:rPr lang="en-US" altLang="ko-KR" sz="1600" dirty="0"/>
+                <a:t>5</a:t>
+              </a:r>
+              <a:endParaRPr lang="ko-KR" altLang="en-US" sz="1600" dirty="0"/>
+            </a:p>
+          </p:txBody>
+        </p:sp>
+      </p:grpSp>
+      <p:grpSp>
+        <p:nvGrpSpPr>
+          <p:cNvPr id="18" name="그룹 17">
+            <a:extLst>
+              <a:ext uri="{FF2B5EF4-FFF2-40B4-BE49-F238E27FC236}">
+                <a16:creationId xmlns:a16="http://schemas.microsoft.com/office/drawing/2014/main" id="{357CEB56-8F71-418F-30BC-0A8B6995FB2F}"/>
+              </a:ext>
+            </a:extLst>
+          </p:cNvPr>
+          <p:cNvGrpSpPr/>
+          <p:nvPr/>
+        </p:nvGrpSpPr>
+        <p:grpSpPr>
+          <a:xfrm>
+            <a:off x="1197775" y="5790886"/>
+            <a:ext cx="328179" cy="340725"/>
+            <a:chOff x="1644650" y="1138825"/>
+            <a:chExt cx="328179" cy="340725"/>
+          </a:xfrm>
+        </p:grpSpPr>
+        <p:sp>
+          <p:nvSpPr>
+            <p:cNvPr id="19" name="타원 18">
+              <a:extLst>
+                <a:ext uri="{FF2B5EF4-FFF2-40B4-BE49-F238E27FC236}">
+                  <a16:creationId xmlns:a16="http://schemas.microsoft.com/office/drawing/2014/main" id="{AD9AEB37-295A-6A09-7D85-C4CB70AAE257}"/>
+                </a:ext>
+              </a:extLst>
+            </p:cNvPr>
+            <p:cNvSpPr/>
+            <p:nvPr/>
+          </p:nvSpPr>
+          <p:spPr>
+            <a:xfrm>
+              <a:off x="1644650" y="1143000"/>
+              <a:ext cx="328179" cy="336550"/>
+            </a:xfrm>
+            <a:prstGeom prst="ellipse">
+              <a:avLst/>
+            </a:prstGeom>
+            <a:solidFill>
+              <a:srgbClr val="FFFF00"/>
+            </a:solidFill>
+            <a:ln w="28575">
+              <a:solidFill>
+                <a:srgbClr val="FF0000"/>
+              </a:solidFill>
+            </a:ln>
+          </p:spPr>
+          <p:style>
+            <a:lnRef idx="2">
+              <a:schemeClr val="accent1">
+                <a:shade val="50000"/>
+              </a:schemeClr>
+            </a:lnRef>
+            <a:fillRef idx="1">
+              <a:schemeClr val="accent1"/>
+            </a:fillRef>
+            <a:effectRef idx="0">
+              <a:schemeClr val="accent1"/>
+            </a:effectRef>
+            <a:fontRef idx="minor">
+              <a:schemeClr val="lt1"/>
+            </a:fontRef>
+          </p:style>
+          <p:txBody>
+            <a:bodyPr rtlCol="0" anchor="ctr"/>
+            <a:lstStyle/>
+            <a:p>
+              <a:pPr algn="ctr"/>
+              <a:endParaRPr lang="ko-KR" altLang="en-US" dirty="0"/>
+            </a:p>
+          </p:txBody>
+        </p:sp>
+        <p:sp>
+          <p:nvSpPr>
+            <p:cNvPr id="20" name="TextBox 19">
+              <a:extLst>
+                <a:ext uri="{FF2B5EF4-FFF2-40B4-BE49-F238E27FC236}">
+                  <a16:creationId xmlns:a16="http://schemas.microsoft.com/office/drawing/2014/main" id="{D2E2F852-A219-B371-3ADB-515B1D91FA98}"/>
+                </a:ext>
+              </a:extLst>
+            </p:cNvPr>
+            <p:cNvSpPr txBox="1"/>
+            <p:nvPr/>
+          </p:nvSpPr>
+          <p:spPr>
+            <a:xfrm>
+              <a:off x="1662675" y="1138825"/>
+              <a:ext cx="298480" cy="338554"/>
+            </a:xfrm>
+            <a:prstGeom prst="rect">
+              <a:avLst/>
+            </a:prstGeom>
+            <a:noFill/>
+          </p:spPr>
+          <p:txBody>
+            <a:bodyPr wrap="none" rtlCol="0">
+              <a:spAutoFit/>
+            </a:bodyPr>
+            <a:lstStyle/>
+            <a:p>
+              <a:r>
+                <a:rPr lang="en-US" altLang="ko-KR" sz="1600" dirty="0"/>
+                <a:t>6</a:t>
+              </a:r>
+              <a:endParaRPr lang="ko-KR" altLang="en-US" sz="1600" dirty="0"/>
+            </a:p>
+          </p:txBody>
+        </p:sp>
+      </p:grpSp>
+      <p:sp>
+        <p:nvSpPr>
+          <p:cNvPr id="21" name="직사각형 20">
+            <a:extLst>
+              <a:ext uri="{FF2B5EF4-FFF2-40B4-BE49-F238E27FC236}">
+                <a16:creationId xmlns:a16="http://schemas.microsoft.com/office/drawing/2014/main" id="{E152F6AD-FE15-E03C-05C0-9FBC0220160E}"/>
+              </a:ext>
+            </a:extLst>
+          </p:cNvPr>
+          <p:cNvSpPr/>
+          <p:nvPr/>
+        </p:nvSpPr>
+        <p:spPr>
+          <a:xfrm>
+            <a:off x="44389" y="0"/>
+            <a:ext cx="4572001" cy="452761"/>
+          </a:xfrm>
+          <a:prstGeom prst="rect">
+            <a:avLst/>
+          </a:prstGeom>
+          <a:noFill/>
+          <a:ln>
+            <a:noFill/>
+          </a:ln>
+        </p:spPr>
+        <p:style>
+          <a:lnRef idx="2">
+            <a:schemeClr val="accent1">
+              <a:shade val="50000"/>
+            </a:schemeClr>
+          </a:lnRef>
+          <a:fillRef idx="1">
+            <a:schemeClr val="accent1"/>
+          </a:fillRef>
+          <a:effectRef idx="0">
+            <a:schemeClr val="accent1"/>
+          </a:effectRef>
+          <a:fontRef idx="minor">
+            <a:schemeClr val="lt1"/>
+          </a:fontRef>
+        </p:style>
+        <p:txBody>
+          <a:bodyPr rtlCol="0" anchor="ctr"/>
+          <a:lstStyle/>
+          <a:p>
+            <a:pPr algn="ctr"/>
+            <a:r>
+              <a:rPr lang="en-US" altLang="ko-KR" sz="2800" b="1" dirty="0">
+                <a:solidFill>
+                  <a:schemeClr val="tx1"/>
+                </a:solidFill>
+              </a:rPr>
+              <a:t>&lt;</a:t>
+            </a:r>
+            <a:r>
+              <a:rPr lang="ko-KR" altLang="en-US" sz="2800" b="1" dirty="0">
+                <a:solidFill>
+                  <a:schemeClr val="tx1"/>
+                </a:solidFill>
+              </a:rPr>
+              <a:t>스토리보드 </a:t>
+            </a:r>
+            <a:r>
+              <a:rPr lang="en-US" altLang="ko-KR" sz="2800" b="1" dirty="0">
+                <a:solidFill>
+                  <a:schemeClr val="tx1"/>
+                </a:solidFill>
+              </a:rPr>
+              <a:t>– </a:t>
+            </a:r>
+            <a:r>
+              <a:rPr lang="ko-KR" altLang="en-US" sz="2800" b="1" dirty="0">
+                <a:solidFill>
+                  <a:schemeClr val="tx1"/>
+                </a:solidFill>
+              </a:rPr>
+              <a:t>문의 하기</a:t>
+            </a:r>
+            <a:r>
+              <a:rPr lang="en-US" altLang="ko-KR" sz="2800" b="1" dirty="0">
+                <a:solidFill>
+                  <a:schemeClr val="tx1"/>
+                </a:solidFill>
+              </a:rPr>
+              <a:t>&gt;</a:t>
+            </a:r>
+            <a:endParaRPr lang="ko-KR" altLang="en-US" sz="2800" b="1" dirty="0">
+              <a:solidFill>
+                <a:schemeClr val="tx1"/>
+              </a:solidFill>
+            </a:endParaRPr>
+          </a:p>
+        </p:txBody>
+      </p:sp>
+      <p:graphicFrame>
+        <p:nvGraphicFramePr>
+          <p:cNvPr id="22" name="표 27">
+            <a:extLst>
+              <a:ext uri="{FF2B5EF4-FFF2-40B4-BE49-F238E27FC236}">
+                <a16:creationId xmlns:a16="http://schemas.microsoft.com/office/drawing/2014/main" id="{62937E0D-15E0-88E2-2FA6-0EDD5D43BF6B}"/>
+              </a:ext>
+            </a:extLst>
+          </p:cNvPr>
+          <p:cNvGraphicFramePr>
+            <a:graphicFrameLocks noGrp="1"/>
+          </p:cNvGraphicFramePr>
+          <p:nvPr>
+            <p:extLst>
+              <p:ext uri="{D42A27DB-BD31-4B8C-83A1-F6EECF244321}">
+                <p14:modId xmlns:p14="http://schemas.microsoft.com/office/powerpoint/2010/main" val="4207022298"/>
+              </p:ext>
+            </p:extLst>
+          </p:nvPr>
+        </p:nvGraphicFramePr>
+        <p:xfrm>
+          <a:off x="160867" y="575732"/>
+          <a:ext cx="11929534" cy="6104467"/>
+        </p:xfrm>
+        <a:graphic>
+          <a:graphicData uri="http://schemas.openxmlformats.org/drawingml/2006/table">
+            <a:tbl>
+              <a:tblPr firstRow="1" bandRow="1">
+                <a:tableStyleId>{5940675A-B579-460E-94D1-54222C63F5DA}</a:tableStyleId>
+              </a:tblPr>
+              <a:tblGrid>
+                <a:gridCol w="9440333">
+                  <a:extLst>
+                    <a:ext uri="{9D8B030D-6E8A-4147-A177-3AD203B41FA5}">
+                      <a16:colId xmlns:a16="http://schemas.microsoft.com/office/drawing/2014/main" val="739347753"/>
+                    </a:ext>
+                  </a:extLst>
+                </a:gridCol>
+                <a:gridCol w="2489201">
+                  <a:extLst>
+                    <a:ext uri="{9D8B030D-6E8A-4147-A177-3AD203B41FA5}">
+                      <a16:colId xmlns:a16="http://schemas.microsoft.com/office/drawing/2014/main" val="2724379673"/>
+                    </a:ext>
+                  </a:extLst>
+                </a:gridCol>
+              </a:tblGrid>
+              <a:tr h="411868">
+                <a:tc>
+                  <a:txBody>
+                    <a:bodyPr/>
+                    <a:lstStyle/>
+                    <a:p>
+                      <a:pPr latinLnBrk="1"/>
+                      <a:r>
+                        <a:rPr lang="en-US" altLang="ko-KR" dirty="0"/>
+                        <a:t>NAVIGATION:</a:t>
+                      </a:r>
+                      <a:r>
+                        <a:rPr lang="ko-KR" altLang="en-US" dirty="0"/>
+                        <a:t> 문의 작성</a:t>
+                      </a:r>
+                    </a:p>
+                  </a:txBody>
+                  <a:tcPr/>
+                </a:tc>
+                <a:tc>
+                  <a:txBody>
+                    <a:bodyPr/>
+                    <a:lstStyle/>
+                    <a:p>
+                      <a:pPr latinLnBrk="1"/>
+                      <a:r>
+                        <a:rPr lang="en-US" altLang="ko-KR" dirty="0"/>
+                        <a:t>EVENT DESCRIPTION</a:t>
+                      </a:r>
+                      <a:endParaRPr lang="ko-KR" altLang="en-US" dirty="0"/>
+                    </a:p>
+                  </a:txBody>
+                  <a:tcPr/>
+                </a:tc>
+                <a:extLst>
+                  <a:ext uri="{0D108BD9-81ED-4DB2-BD59-A6C34878D82A}">
+                    <a16:rowId xmlns:a16="http://schemas.microsoft.com/office/drawing/2014/main" val="368154063"/>
+                  </a:ext>
+                </a:extLst>
+              </a:tr>
+              <a:tr h="5692599">
+                <a:tc>
+                  <a:txBody>
+                    <a:bodyPr/>
+                    <a:lstStyle/>
+                    <a:p>
+                      <a:pPr latinLnBrk="1"/>
+                      <a:endParaRPr lang="ko-KR" altLang="en-US" dirty="0"/>
+                    </a:p>
+                  </a:txBody>
+                  <a:tcPr/>
+                </a:tc>
+                <a:tc>
+                  <a:txBody>
+                    <a:bodyPr/>
+                    <a:lstStyle/>
+                    <a:p>
+                      <a:pPr marL="342900" indent="-342900" latinLnBrk="1">
+                        <a:buAutoNum type="arabicPeriod"/>
+                      </a:pPr>
+                      <a:r>
+                        <a:rPr lang="ko-KR" altLang="en-US" dirty="0"/>
+                        <a:t>클릭 시 리뷰 목록 화면</a:t>
+                      </a:r>
+                      <a:r>
+                        <a:rPr lang="en-US" altLang="ko-KR" dirty="0"/>
+                        <a:t>(ppt – 10 page)</a:t>
+                      </a:r>
+                      <a:r>
+                        <a:rPr lang="ko-KR" altLang="en-US" dirty="0"/>
+                        <a:t>으로 이동</a:t>
+                      </a:r>
+                      <a:endParaRPr lang="en-US" altLang="ko-KR" dirty="0"/>
+                    </a:p>
+                    <a:p>
+                      <a:pPr marL="342900" indent="-342900" latinLnBrk="1">
+                        <a:buAutoNum type="arabicPeriod"/>
+                      </a:pPr>
+                      <a:r>
+                        <a:rPr lang="ko-KR" altLang="en-US" dirty="0"/>
+                        <a:t>클릭 시 수정 화면으로 이동</a:t>
+                      </a:r>
+                      <a:r>
+                        <a:rPr lang="en-US" altLang="ko-KR" dirty="0"/>
+                        <a:t>, </a:t>
+                      </a:r>
+                      <a:r>
+                        <a:rPr lang="ko-KR" altLang="en-US" dirty="0"/>
+                        <a:t>문의 작성자 로그인 시 출력</a:t>
+                      </a:r>
+                      <a:endParaRPr lang="en-US" altLang="ko-KR" dirty="0"/>
+                    </a:p>
+                    <a:p>
+                      <a:pPr marL="342900" indent="-342900" latinLnBrk="1">
+                        <a:buAutoNum type="arabicPeriod"/>
+                      </a:pPr>
+                      <a:r>
+                        <a:rPr lang="ko-KR" altLang="en-US" dirty="0"/>
+                        <a:t>클릭 시 본인 확인 화면으로 이동</a:t>
+                      </a:r>
+                      <a:endParaRPr lang="en-US" altLang="ko-KR" dirty="0"/>
+                    </a:p>
+                    <a:p>
+                      <a:pPr marL="342900" indent="-342900" latinLnBrk="1">
+                        <a:buAutoNum type="arabicPeriod"/>
+                      </a:pPr>
+                      <a:r>
+                        <a:rPr lang="ko-KR" altLang="en-US" dirty="0"/>
+                        <a:t>검색된 </a:t>
+                      </a:r>
+                      <a:r>
+                        <a:rPr lang="ko-KR" altLang="en-US" dirty="0" err="1"/>
+                        <a:t>문의글의</a:t>
+                      </a:r>
+                      <a:r>
+                        <a:rPr lang="ko-KR" altLang="en-US" dirty="0"/>
+                        <a:t> 번호</a:t>
+                      </a:r>
+                      <a:r>
+                        <a:rPr lang="en-US" altLang="ko-KR" dirty="0"/>
+                        <a:t>, </a:t>
+                      </a:r>
+                      <a:r>
+                        <a:rPr lang="ko-KR" altLang="en-US" dirty="0"/>
+                        <a:t>작성자</a:t>
+                      </a:r>
+                      <a:r>
+                        <a:rPr lang="en-US" altLang="ko-KR" dirty="0"/>
+                        <a:t>, </a:t>
+                      </a:r>
+                      <a:r>
+                        <a:rPr lang="ko-KR" altLang="en-US" dirty="0"/>
+                        <a:t>작성날짜</a:t>
+                      </a:r>
+                      <a:r>
+                        <a:rPr lang="en-US" altLang="ko-KR" dirty="0"/>
+                        <a:t>, </a:t>
+                      </a:r>
+                      <a:r>
+                        <a:rPr lang="ko-KR" altLang="en-US" dirty="0"/>
+                        <a:t>제목</a:t>
+                      </a:r>
+                      <a:r>
+                        <a:rPr lang="en-US" altLang="ko-KR" dirty="0"/>
+                        <a:t>,</a:t>
+                      </a:r>
+                      <a:r>
+                        <a:rPr lang="ko-KR" altLang="en-US" dirty="0"/>
+                        <a:t> 조회수</a:t>
+                      </a:r>
+                      <a:r>
+                        <a:rPr lang="en-US" altLang="ko-KR" dirty="0"/>
+                        <a:t>, </a:t>
+                      </a:r>
+                      <a:r>
+                        <a:rPr lang="ko-KR" altLang="en-US" dirty="0"/>
+                        <a:t>내용을 출력</a:t>
+                      </a:r>
+                      <a:endParaRPr lang="en-US" altLang="ko-KR" dirty="0"/>
+                    </a:p>
+                    <a:p>
+                      <a:pPr marL="342900" indent="-342900" latinLnBrk="1">
+                        <a:buAutoNum type="arabicPeriod"/>
+                      </a:pPr>
+                      <a:r>
+                        <a:rPr lang="ko-KR" altLang="en-US" dirty="0"/>
+                        <a:t>클릭 시 이전 글로 이동</a:t>
+                      </a:r>
+                      <a:endParaRPr lang="en-US" altLang="ko-KR" dirty="0"/>
+                    </a:p>
+                    <a:p>
+                      <a:pPr marL="342900" indent="-342900" latinLnBrk="1">
+                        <a:buAutoNum type="arabicPeriod"/>
+                      </a:pPr>
+                      <a:r>
+                        <a:rPr lang="ko-KR" altLang="en-US" dirty="0"/>
+                        <a:t>클릭 시 다음 글로 이동</a:t>
+                      </a:r>
+                      <a:endParaRPr lang="en-US" altLang="ko-KR" dirty="0"/>
+                    </a:p>
+                    <a:p>
+                      <a:pPr marL="342900" indent="-342900" latinLnBrk="1">
+                        <a:buAutoNum type="arabicPeriod"/>
+                      </a:pPr>
+                      <a:endParaRPr lang="en-US" altLang="ko-KR" dirty="0"/>
+                    </a:p>
+                  </a:txBody>
+                  <a:tcPr/>
+                </a:tc>
+                <a:extLst>
+                  <a:ext uri="{0D108BD9-81ED-4DB2-BD59-A6C34878D82A}">
+                    <a16:rowId xmlns:a16="http://schemas.microsoft.com/office/drawing/2014/main" val="2491345374"/>
+                  </a:ext>
+                </a:extLst>
+              </a:tr>
+            </a:tbl>
+          </a:graphicData>
+        </a:graphic>
+      </p:graphicFrame>
     </p:spTree>
     <p:extLst>
       <p:ext uri="{BB962C8B-B14F-4D97-AF65-F5344CB8AC3E}">
@@ -5241,36 +7491,6 @@
 </file>
 
 <file path=ppt/slides/slide12.xml><?xml version="1.0" encoding="utf-8"?>
-<p:sld xmlns:a="http://schemas.openxmlformats.org/drawingml/2006/main" xmlns:r="http://schemas.openxmlformats.org/officeDocument/2006/relationships" xmlns:p="http://schemas.openxmlformats.org/presentationml/2006/main">
-  <p:cSld>
-    <p:spTree>
-      <p:nvGrpSpPr>
-        <p:cNvPr id="1" name=""/>
-        <p:cNvGrpSpPr/>
-        <p:nvPr/>
-      </p:nvGrpSpPr>
-      <p:grpSpPr>
-        <a:xfrm>
-          <a:off x="0" y="0"/>
-          <a:ext cx="0" cy="0"/>
-          <a:chOff x="0" y="0"/>
-          <a:chExt cx="0" cy="0"/>
-        </a:xfrm>
-      </p:grpSpPr>
-    </p:spTree>
-    <p:extLst>
-      <p:ext uri="{BB962C8B-B14F-4D97-AF65-F5344CB8AC3E}">
-        <p14:creationId xmlns:p14="http://schemas.microsoft.com/office/powerpoint/2010/main" val="2596366834"/>
-      </p:ext>
-    </p:extLst>
-  </p:cSld>
-  <p:clrMapOvr>
-    <a:masterClrMapping/>
-  </p:clrMapOvr>
-</p:sld>
-</file>
-
-<file path=ppt/slides/slide13.xml><?xml version="1.0" encoding="utf-8"?>
 <p:sld xmlns:a="http://schemas.openxmlformats.org/drawingml/2006/main" xmlns:r="http://schemas.openxmlformats.org/officeDocument/2006/relationships" xmlns:p="http://schemas.openxmlformats.org/presentationml/2006/main">
   <p:cSld>
     <p:spTree>
@@ -5574,7 +7794,7 @@
 </p:sld>
 </file>
 
-<file path=ppt/slides/slide14.xml><?xml version="1.0" encoding="utf-8"?>
+<file path=ppt/slides/slide13.xml><?xml version="1.0" encoding="utf-8"?>
 <p:sld xmlns:a="http://schemas.openxmlformats.org/drawingml/2006/main" xmlns:r="http://schemas.openxmlformats.org/officeDocument/2006/relationships" xmlns:p="http://schemas.openxmlformats.org/presentationml/2006/main">
   <p:cSld>
     <p:spTree>
@@ -5639,7 +7859,7 @@
 </p:sld>
 </file>
 
-<file path=ppt/slides/slide15.xml><?xml version="1.0" encoding="utf-8"?>
+<file path=ppt/slides/slide14.xml><?xml version="1.0" encoding="utf-8"?>
 <p:sld xmlns:a="http://schemas.openxmlformats.org/drawingml/2006/main" xmlns:r="http://schemas.openxmlformats.org/officeDocument/2006/relationships" xmlns:p="http://schemas.openxmlformats.org/presentationml/2006/main">
   <p:cSld>
     <p:spTree>
@@ -6276,7 +8496,7 @@
 </p:sld>
 </file>
 
-<file path=ppt/slides/slide16.xml><?xml version="1.0" encoding="utf-8"?>
+<file path=ppt/slides/slide15.xml><?xml version="1.0" encoding="utf-8"?>
 <p:sld xmlns:a="http://schemas.openxmlformats.org/drawingml/2006/main" xmlns:r="http://schemas.openxmlformats.org/officeDocument/2006/relationships" xmlns:p="http://schemas.openxmlformats.org/presentationml/2006/main">
   <p:cSld>
     <p:spTree>
@@ -17939,7 +20159,7 @@
           <p:nvPr>
             <p:extLst>
               <p:ext uri="{D42A27DB-BD31-4B8C-83A1-F6EECF244321}">
-                <p14:modId xmlns:p14="http://schemas.microsoft.com/office/powerpoint/2010/main" val="3668949721"/>
+                <p14:modId xmlns:p14="http://schemas.microsoft.com/office/powerpoint/2010/main" val="207026139"/>
               </p:ext>
             </p:extLst>
           </p:nvPr>
@@ -18051,6 +20271,14 @@
                       <a:r>
                         <a:rPr lang="ko-KR" altLang="en-US" dirty="0"/>
                         <a:t>클릭 시 수정 화면으로 이동</a:t>
+                      </a:r>
+                      <a:r>
+                        <a:rPr lang="en-US" altLang="ko-KR" dirty="0"/>
+                        <a:t>, </a:t>
+                      </a:r>
+                      <a:r>
+                        <a:rPr lang="ko-KR" altLang="en-US" dirty="0"/>
+                        <a:t>리뷰 작성자 로그인 시 출력</a:t>
                       </a:r>
                       <a:endParaRPr lang="en-US" altLang="ko-KR" dirty="0"/>
                     </a:p>
